--- a/trunk/documents/jQuery Mobile.pptx
+++ b/trunk/documents/jQuery Mobile.pptx
@@ -5,7 +5,7 @@
     <p:sldMasterId id="2147483648" r:id="rId1"/>
   </p:sldMasterIdLst>
   <p:notesMasterIdLst>
-    <p:notesMasterId r:id="rId27"/>
+    <p:notesMasterId r:id="rId30"/>
   </p:notesMasterIdLst>
   <p:sldIdLst>
     <p:sldId id="256" r:id="rId2"/>
@@ -13,26 +13,29 @@
     <p:sldId id="268" r:id="rId4"/>
     <p:sldId id="264" r:id="rId5"/>
     <p:sldId id="265" r:id="rId6"/>
-    <p:sldId id="266" r:id="rId7"/>
-    <p:sldId id="267" r:id="rId8"/>
-    <p:sldId id="269" r:id="rId9"/>
-    <p:sldId id="270" r:id="rId10"/>
-    <p:sldId id="276" r:id="rId11"/>
-    <p:sldId id="272" r:id="rId12"/>
-    <p:sldId id="275" r:id="rId13"/>
-    <p:sldId id="273" r:id="rId14"/>
-    <p:sldId id="278" r:id="rId15"/>
-    <p:sldId id="279" r:id="rId16"/>
-    <p:sldId id="280" r:id="rId17"/>
-    <p:sldId id="281" r:id="rId18"/>
-    <p:sldId id="282" r:id="rId19"/>
-    <p:sldId id="284" r:id="rId20"/>
-    <p:sldId id="283" r:id="rId21"/>
-    <p:sldId id="285" r:id="rId22"/>
-    <p:sldId id="287" r:id="rId23"/>
-    <p:sldId id="288" r:id="rId24"/>
-    <p:sldId id="289" r:id="rId25"/>
-    <p:sldId id="286" r:id="rId26"/>
+    <p:sldId id="290" r:id="rId7"/>
+    <p:sldId id="266" r:id="rId8"/>
+    <p:sldId id="267" r:id="rId9"/>
+    <p:sldId id="269" r:id="rId10"/>
+    <p:sldId id="270" r:id="rId11"/>
+    <p:sldId id="276" r:id="rId12"/>
+    <p:sldId id="272" r:id="rId13"/>
+    <p:sldId id="275" r:id="rId14"/>
+    <p:sldId id="292" r:id="rId15"/>
+    <p:sldId id="273" r:id="rId16"/>
+    <p:sldId id="278" r:id="rId17"/>
+    <p:sldId id="279" r:id="rId18"/>
+    <p:sldId id="280" r:id="rId19"/>
+    <p:sldId id="281" r:id="rId20"/>
+    <p:sldId id="282" r:id="rId21"/>
+    <p:sldId id="284" r:id="rId22"/>
+    <p:sldId id="283" r:id="rId23"/>
+    <p:sldId id="285" r:id="rId24"/>
+    <p:sldId id="287" r:id="rId25"/>
+    <p:sldId id="288" r:id="rId26"/>
+    <p:sldId id="289" r:id="rId27"/>
+    <p:sldId id="286" r:id="rId28"/>
+    <p:sldId id="291" r:id="rId29"/>
   </p:sldIdLst>
   <p:sldSz cx="9144000" cy="6858000" type="screen4x3"/>
   <p:notesSz cx="6858000" cy="9144000"/>
@@ -216,7 +219,7 @@
           <a:p>
             <a:fld id="{80BA5C78-286C-4E51-905C-EC5A510E8A47}" type="datetimeFigureOut">
               <a:rPr lang="en-US" smtClean="0"/>
-              <a:t>7/27/2011</a:t>
+              <a:t>7/28/2011</a:t>
             </a:fld>
             <a:endParaRPr lang="en-US"/>
           </a:p>
@@ -534,11 +537,7 @@
             </a:r>
             <a:r>
               <a:rPr lang="en-US" dirty="0" smtClean="0"/>
-              <a:t>: </a:t>
-            </a:r>
-            <a:r>
-              <a:rPr lang="en-US" dirty="0" smtClean="0"/>
-              <a:t>Allows you to create HTML that matches the look and feel of native iPhone applications. </a:t>
+              <a:t>: Allows you to create HTML that matches the look and feel of native iPhone applications. </a:t>
             </a:r>
             <a:r>
               <a:rPr lang="en-US" dirty="0" smtClean="0">
@@ -592,11 +591,7 @@
             </a:r>
             <a:r>
               <a:rPr lang="en-US" dirty="0" smtClean="0"/>
-              <a:t>: </a:t>
-            </a:r>
-            <a:r>
-              <a:rPr lang="en-US" dirty="0" smtClean="0"/>
-              <a:t>Is a </a:t>
+              <a:t>: Is a </a:t>
             </a:r>
             <a:r>
               <a:rPr lang="en-US" dirty="0" err="1" smtClean="0"/>
@@ -714,11 +709,7 @@
             </a:r>
             <a:r>
               <a:rPr lang="en-US" dirty="0" smtClean="0"/>
-              <a:t> A</a:t>
-            </a:r>
-            <a:r>
-              <a:rPr lang="en-US" dirty="0" smtClean="0"/>
-              <a:t>llows you to develop mobile web apps that look and feel native on iPhone, Android, and BlackBerry touch devices. </a:t>
+              <a:t> Allows you to develop mobile web apps that look and feel native on iPhone, Android, and BlackBerry touch devices. </a:t>
             </a:r>
             <a:r>
               <a:rPr lang="en-US" dirty="0" smtClean="0">
@@ -1058,7 +1049,7 @@
           <a:p>
             <a:fld id="{D5761136-622A-43A7-A93A-EE3B8DEE307F}" type="slidenum">
               <a:rPr lang="en-US" smtClean="0"/>
-              <a:t>7</a:t>
+              <a:t>8</a:t>
             </a:fld>
             <a:endParaRPr lang="en-US"/>
           </a:p>
@@ -1121,6 +1112,194 @@
           <a:bodyPr/>
           <a:lstStyle/>
           <a:p>
+            <a:r>
+              <a:rPr lang="en-US" b="1" dirty="0" smtClean="0"/>
+              <a:t>Built on </a:t>
+            </a:r>
+            <a:r>
+              <a:rPr lang="en-US" b="1" dirty="0" err="1" smtClean="0"/>
+              <a:t>jQuery</a:t>
+            </a:r>
+            <a:r>
+              <a:rPr lang="en-US" b="1" dirty="0" smtClean="0"/>
+              <a:t> core</a:t>
+            </a:r>
+            <a:r>
+              <a:rPr lang="en-US" dirty="0" smtClean="0"/>
+              <a:t> for familiar and consistent </a:t>
+            </a:r>
+            <a:r>
+              <a:rPr lang="en-US" dirty="0" err="1" smtClean="0"/>
+              <a:t>jQuery</a:t>
+            </a:r>
+            <a:r>
+              <a:rPr lang="en-US" dirty="0" smtClean="0"/>
+              <a:t> syntax and minimal learning curve</a:t>
+            </a:r>
+          </a:p>
+          <a:p>
+            <a:r>
+              <a:rPr lang="en-US" b="1" dirty="0" smtClean="0"/>
+              <a:t>Compatible with all major mobile platforms</a:t>
+            </a:r>
+            <a:r>
+              <a:rPr lang="en-US" dirty="0" smtClean="0"/>
+              <a:t> - </a:t>
+            </a:r>
+            <a:r>
+              <a:rPr lang="en-US" dirty="0" err="1" smtClean="0"/>
+              <a:t>iOS</a:t>
+            </a:r>
+            <a:r>
+              <a:rPr lang="en-US" dirty="0" smtClean="0"/>
+              <a:t>, Android, Blackberry, Palm </a:t>
+            </a:r>
+            <a:r>
+              <a:rPr lang="en-US" dirty="0" err="1" smtClean="0"/>
+              <a:t>WebOS</a:t>
+            </a:r>
+            <a:r>
+              <a:rPr lang="en-US" dirty="0" smtClean="0"/>
+              <a:t>, Nokia/Symbian, Windows Mobile, </a:t>
+            </a:r>
+            <a:r>
+              <a:rPr lang="en-US" dirty="0" err="1" smtClean="0"/>
+              <a:t>bada</a:t>
+            </a:r>
+            <a:r>
+              <a:rPr lang="en-US" dirty="0" smtClean="0"/>
+              <a:t>, </a:t>
+            </a:r>
+            <a:r>
+              <a:rPr lang="en-US" dirty="0" err="1" smtClean="0"/>
+              <a:t>MeeGo</a:t>
+            </a:r>
+            <a:r>
+              <a:rPr lang="en-US" dirty="0" smtClean="0"/>
+              <a:t> with baseline support for all devices that understand HTML</a:t>
+            </a:r>
+          </a:p>
+          <a:p>
+            <a:r>
+              <a:rPr lang="en-US" b="1" dirty="0" smtClean="0"/>
+              <a:t>Lightweight size</a:t>
+            </a:r>
+            <a:r>
+              <a:rPr lang="en-US" dirty="0" smtClean="0"/>
+              <a:t> (12k compressed for all mobile functionality) and minimal image dependencies for speed.</a:t>
+            </a:r>
+          </a:p>
+          <a:p>
+            <a:r>
+              <a:rPr lang="en-US" b="1" dirty="0" smtClean="0"/>
+              <a:t>HTML5 Markup-driven configuration</a:t>
+            </a:r>
+            <a:r>
+              <a:rPr lang="en-US" dirty="0" smtClean="0"/>
+              <a:t> of pages and behavior for fast development and minimal required scripting.</a:t>
+            </a:r>
+          </a:p>
+          <a:p>
+            <a:r>
+              <a:rPr lang="en-US" b="1" dirty="0" smtClean="0"/>
+              <a:t>Progressive enhancement</a:t>
+            </a:r>
+            <a:r>
+              <a:rPr lang="en-US" dirty="0" smtClean="0"/>
+              <a:t> approach brings core content and functionality to all mobile, tablet and desktop platforms and a rich, installed application-like experience on newer mobile platforms.</a:t>
+            </a:r>
+          </a:p>
+          <a:p>
+            <a:r>
+              <a:rPr lang="en-US" b="1" dirty="0" smtClean="0"/>
+              <a:t>Automatic initialization</a:t>
+            </a:r>
+            <a:r>
+              <a:rPr lang="en-US" dirty="0" smtClean="0"/>
+              <a:t> by using HTML5 data-role attributes in the HTML markup to act as the trigger to automatically initialize all </a:t>
+            </a:r>
+            <a:r>
+              <a:rPr lang="en-US" dirty="0" err="1" smtClean="0"/>
+              <a:t>jQuery</a:t>
+            </a:r>
+            <a:r>
+              <a:rPr lang="en-US" dirty="0" smtClean="0"/>
+              <a:t> Mobile widgets found on a page.</a:t>
+            </a:r>
+          </a:p>
+          <a:p>
+            <a:r>
+              <a:rPr lang="en-US" b="1" dirty="0" smtClean="0"/>
+              <a:t>Accessibility</a:t>
+            </a:r>
+            <a:r>
+              <a:rPr lang="en-US" dirty="0" smtClean="0"/>
+              <a:t> features such as WAI-ARIA are also included to ensure that the pages work for screen readers (e.g. </a:t>
+            </a:r>
+            <a:r>
+              <a:rPr lang="en-US" dirty="0" err="1" smtClean="0"/>
+              <a:t>VoiceOver</a:t>
+            </a:r>
+            <a:r>
+              <a:rPr lang="en-US" dirty="0" smtClean="0"/>
+              <a:t> in </a:t>
+            </a:r>
+            <a:r>
+              <a:rPr lang="en-US" dirty="0" err="1" smtClean="0"/>
+              <a:t>iOS</a:t>
+            </a:r>
+            <a:r>
+              <a:rPr lang="en-US" dirty="0" smtClean="0"/>
+              <a:t>) and other assistive technologies.</a:t>
+            </a:r>
+          </a:p>
+          <a:p>
+            <a:r>
+              <a:rPr lang="en-US" b="1" dirty="0" smtClean="0"/>
+              <a:t>New events</a:t>
+            </a:r>
+            <a:r>
+              <a:rPr lang="en-US" dirty="0" smtClean="0"/>
+              <a:t> streamline the process of supporting touch, mouse, and cursor focus-based user input methods with a simple API. </a:t>
+            </a:r>
+          </a:p>
+          <a:p>
+            <a:r>
+              <a:rPr lang="en-US" b="1" dirty="0" smtClean="0"/>
+              <a:t>New plugins</a:t>
+            </a:r>
+            <a:r>
+              <a:rPr lang="en-US" dirty="0" smtClean="0"/>
+              <a:t> enhance native controls with touch-optimized, </a:t>
+            </a:r>
+            <a:r>
+              <a:rPr lang="en-US" dirty="0" err="1" smtClean="0"/>
+              <a:t>themable</a:t>
+            </a:r>
+            <a:r>
+              <a:rPr lang="en-US" dirty="0" smtClean="0"/>
+              <a:t> controls. </a:t>
+            </a:r>
+          </a:p>
+          <a:p>
+            <a:r>
+              <a:rPr lang="en-US" b="1" dirty="0" smtClean="0"/>
+              <a:t>Powerful theming framework</a:t>
+            </a:r>
+            <a:r>
+              <a:rPr lang="en-US" dirty="0" smtClean="0"/>
+              <a:t> and </a:t>
+            </a:r>
+            <a:r>
+              <a:rPr lang="en-US" dirty="0" err="1" smtClean="0"/>
+              <a:t>ThemeRoller</a:t>
+            </a:r>
+            <a:r>
+              <a:rPr lang="en-US" dirty="0" smtClean="0"/>
+              <a:t> application make highly-branded experiences easy to build.</a:t>
+            </a:r>
+          </a:p>
+          <a:p>
             <a:endParaRPr lang="en-US" dirty="0"/>
           </a:p>
         </p:txBody>
@@ -1142,7 +1321,7 @@
           <a:p>
             <a:fld id="{D5761136-622A-43A7-A93A-EE3B8DEE307F}" type="slidenum">
               <a:rPr lang="en-US" smtClean="0"/>
-              <a:t>8</a:t>
+              <a:t>9</a:t>
             </a:fld>
             <a:endParaRPr lang="en-US"/>
           </a:p>
@@ -1248,7 +1427,7 @@
           <a:p>
             <a:fld id="{D5761136-622A-43A7-A93A-EE3B8DEE307F}" type="slidenum">
               <a:rPr lang="en-US" smtClean="0"/>
-              <a:t>9</a:t>
+              <a:t>10</a:t>
             </a:fld>
             <a:endParaRPr lang="en-US"/>
           </a:p>
@@ -1449,7 +1628,7 @@
           <a:p>
             <a:fld id="{D5761136-622A-43A7-A93A-EE3B8DEE307F}" type="slidenum">
               <a:rPr lang="en-US" smtClean="0"/>
-              <a:t>20</a:t>
+              <a:t>22</a:t>
             </a:fld>
             <a:endParaRPr lang="en-US"/>
           </a:p>
@@ -1683,7 +1862,7 @@
           <a:p>
             <a:fld id="{D5761136-622A-43A7-A93A-EE3B8DEE307F}" type="slidenum">
               <a:rPr lang="en-US" smtClean="0"/>
-              <a:t>21</a:t>
+              <a:t>23</a:t>
             </a:fld>
             <a:endParaRPr lang="en-US"/>
           </a:p>
@@ -1767,7 +1946,7 @@
           <a:p>
             <a:fld id="{D5761136-622A-43A7-A93A-EE3B8DEE307F}" type="slidenum">
               <a:rPr lang="en-US" smtClean="0"/>
-              <a:t>25</a:t>
+              <a:t>27</a:t>
             </a:fld>
             <a:endParaRPr lang="en-US"/>
           </a:p>
@@ -1967,7 +2146,7 @@
           <a:p>
             <a:fld id="{849E7201-746B-4611-A95F-BC3489685550}" type="datetimeFigureOut">
               <a:rPr lang="en-US" smtClean="0"/>
-              <a:t>7/27/2011</a:t>
+              <a:t>7/28/2011</a:t>
             </a:fld>
             <a:endParaRPr lang="en-US"/>
           </a:p>
@@ -2137,7 +2316,7 @@
           <a:p>
             <a:fld id="{849E7201-746B-4611-A95F-BC3489685550}" type="datetimeFigureOut">
               <a:rPr lang="en-US" smtClean="0"/>
-              <a:t>7/27/2011</a:t>
+              <a:t>7/28/2011</a:t>
             </a:fld>
             <a:endParaRPr lang="en-US"/>
           </a:p>
@@ -2317,7 +2496,7 @@
           <a:p>
             <a:fld id="{849E7201-746B-4611-A95F-BC3489685550}" type="datetimeFigureOut">
               <a:rPr lang="en-US" smtClean="0"/>
-              <a:t>7/27/2011</a:t>
+              <a:t>7/28/2011</a:t>
             </a:fld>
             <a:endParaRPr lang="en-US"/>
           </a:p>
@@ -2487,7 +2666,7 @@
           <a:p>
             <a:fld id="{849E7201-746B-4611-A95F-BC3489685550}" type="datetimeFigureOut">
               <a:rPr lang="en-US" smtClean="0"/>
-              <a:t>7/27/2011</a:t>
+              <a:t>7/28/2011</a:t>
             </a:fld>
             <a:endParaRPr lang="en-US"/>
           </a:p>
@@ -2733,7 +2912,7 @@
           <a:p>
             <a:fld id="{849E7201-746B-4611-A95F-BC3489685550}" type="datetimeFigureOut">
               <a:rPr lang="en-US" smtClean="0"/>
-              <a:t>7/27/2011</a:t>
+              <a:t>7/28/2011</a:t>
             </a:fld>
             <a:endParaRPr lang="en-US"/>
           </a:p>
@@ -3021,7 +3200,7 @@
           <a:p>
             <a:fld id="{849E7201-746B-4611-A95F-BC3489685550}" type="datetimeFigureOut">
               <a:rPr lang="en-US" smtClean="0"/>
-              <a:t>7/27/2011</a:t>
+              <a:t>7/28/2011</a:t>
             </a:fld>
             <a:endParaRPr lang="en-US"/>
           </a:p>
@@ -3443,7 +3622,7 @@
           <a:p>
             <a:fld id="{849E7201-746B-4611-A95F-BC3489685550}" type="datetimeFigureOut">
               <a:rPr lang="en-US" smtClean="0"/>
-              <a:t>7/27/2011</a:t>
+              <a:t>7/28/2011</a:t>
             </a:fld>
             <a:endParaRPr lang="en-US"/>
           </a:p>
@@ -3561,7 +3740,7 @@
           <a:p>
             <a:fld id="{849E7201-746B-4611-A95F-BC3489685550}" type="datetimeFigureOut">
               <a:rPr lang="en-US" smtClean="0"/>
-              <a:t>7/27/2011</a:t>
+              <a:t>7/28/2011</a:t>
             </a:fld>
             <a:endParaRPr lang="en-US"/>
           </a:p>
@@ -3656,7 +3835,7 @@
           <a:p>
             <a:fld id="{849E7201-746B-4611-A95F-BC3489685550}" type="datetimeFigureOut">
               <a:rPr lang="en-US" smtClean="0"/>
-              <a:t>7/27/2011</a:t>
+              <a:t>7/28/2011</a:t>
             </a:fld>
             <a:endParaRPr lang="en-US"/>
           </a:p>
@@ -3933,7 +4112,7 @@
           <a:p>
             <a:fld id="{849E7201-746B-4611-A95F-BC3489685550}" type="datetimeFigureOut">
               <a:rPr lang="en-US" smtClean="0"/>
-              <a:t>7/27/2011</a:t>
+              <a:t>7/28/2011</a:t>
             </a:fld>
             <a:endParaRPr lang="en-US"/>
           </a:p>
@@ -4186,7 +4365,7 @@
           <a:p>
             <a:fld id="{849E7201-746B-4611-A95F-BC3489685550}" type="datetimeFigureOut">
               <a:rPr lang="en-US" smtClean="0"/>
-              <a:t>7/27/2011</a:t>
+              <a:t>7/28/2011</a:t>
             </a:fld>
             <a:endParaRPr lang="en-US"/>
           </a:p>
@@ -4399,7 +4578,7 @@
           <a:p>
             <a:fld id="{849E7201-746B-4611-A95F-BC3489685550}" type="datetimeFigureOut">
               <a:rPr lang="en-US" smtClean="0"/>
-              <a:t>7/27/2011</a:t>
+              <a:t>7/28/2011</a:t>
             </a:fld>
             <a:endParaRPr lang="en-US"/>
           </a:p>
@@ -4874,6 +5053,359 @@
           <a:p>
             <a:r>
               <a:rPr lang="en-US" dirty="0" smtClean="0"/>
+              <a:t>HTML5 Document</a:t>
+            </a:r>
+            <a:endParaRPr lang="en-US" dirty="0"/>
+          </a:p>
+        </p:txBody>
+      </p:sp>
+      <p:sp>
+        <p:nvSpPr>
+          <p:cNvPr id="3" name="Content Placeholder 2"/>
+          <p:cNvSpPr>
+            <a:spLocks noGrp="1"/>
+          </p:cNvSpPr>
+          <p:nvPr>
+            <p:ph idx="1"/>
+          </p:nvPr>
+        </p:nvSpPr>
+        <p:spPr>
+          <a:xfrm>
+            <a:off x="457200" y="1600200"/>
+            <a:ext cx="8305800" cy="4525963"/>
+          </a:xfrm>
+        </p:spPr>
+        <p:txBody>
+          <a:bodyPr>
+            <a:normAutofit fontScale="70000" lnSpcReduction="20000"/>
+          </a:bodyPr>
+          <a:lstStyle/>
+          <a:p>
+            <a:pPr marL="0" indent="0">
+              <a:buNone/>
+            </a:pPr>
+            <a:r>
+              <a:rPr lang="en-US" dirty="0"/>
+              <a:t>&lt;!DOCTYPE HTML&gt;</a:t>
+            </a:r>
+          </a:p>
+          <a:p>
+            <a:pPr marL="0" indent="0">
+              <a:buNone/>
+            </a:pPr>
+            <a:r>
+              <a:rPr lang="en-US" dirty="0"/>
+              <a:t>&lt;html&gt;</a:t>
+            </a:r>
+          </a:p>
+          <a:p>
+            <a:pPr marL="0" indent="0">
+              <a:buNone/>
+            </a:pPr>
+            <a:r>
+              <a:rPr lang="en-US" dirty="0" smtClean="0"/>
+              <a:t>    &lt;</a:t>
+            </a:r>
+            <a:r>
+              <a:rPr lang="en-US" dirty="0"/>
+              <a:t>head&gt;</a:t>
+            </a:r>
+          </a:p>
+          <a:p>
+            <a:pPr marL="0" indent="0">
+              <a:buNone/>
+            </a:pPr>
+            <a:r>
+              <a:rPr lang="en-US" dirty="0" smtClean="0"/>
+              <a:t>        &lt;title&gt;</a:t>
+            </a:r>
+            <a:r>
+              <a:rPr lang="en-US" dirty="0" err="1" smtClean="0"/>
+              <a:t>jQuery</a:t>
+            </a:r>
+            <a:r>
+              <a:rPr lang="en-US" dirty="0" smtClean="0"/>
+              <a:t> Mobile&lt;/</a:t>
+            </a:r>
+            <a:r>
+              <a:rPr lang="en-US" dirty="0"/>
+              <a:t>title</a:t>
+            </a:r>
+            <a:r>
+              <a:rPr lang="en-US" dirty="0" smtClean="0"/>
+              <a:t>&gt;</a:t>
+            </a:r>
+          </a:p>
+          <a:p>
+            <a:pPr marL="0" indent="0">
+              <a:buNone/>
+            </a:pPr>
+            <a:r>
+              <a:rPr lang="en-US" dirty="0" smtClean="0"/>
+              <a:t>        &lt;</a:t>
+            </a:r>
+            <a:r>
+              <a:rPr lang="en-US" dirty="0"/>
+              <a:t>link </a:t>
+            </a:r>
+            <a:r>
+              <a:rPr lang="en-US" dirty="0" err="1"/>
+              <a:t>rel</a:t>
+            </a:r>
+            <a:r>
+              <a:rPr lang="en-US" dirty="0"/>
+              <a:t>=</a:t>
+            </a:r>
+            <a:r>
+              <a:rPr lang="en-US" i="1" dirty="0"/>
+              <a:t>"</a:t>
+            </a:r>
+            <a:r>
+              <a:rPr lang="en-US" i="1" dirty="0" err="1"/>
+              <a:t>stylesheet</a:t>
+            </a:r>
+            <a:r>
+              <a:rPr lang="en-US" i="1" dirty="0"/>
+              <a:t>" </a:t>
+            </a:r>
+            <a:r>
+              <a:rPr lang="en-US" i="1" dirty="0" err="1"/>
+              <a:t>href</a:t>
+            </a:r>
+            <a:r>
+              <a:rPr lang="en-US" i="1" dirty="0"/>
+              <a:t>="</a:t>
+            </a:r>
+            <a:r>
+              <a:rPr lang="en-US" i="1" dirty="0" err="1" smtClean="0"/>
+              <a:t>css</a:t>
+            </a:r>
+            <a:r>
+              <a:rPr lang="en-US" i="1" dirty="0" smtClean="0"/>
+              <a:t>/jquery.mobile-1.0a4.1.min.css</a:t>
+            </a:r>
+            <a:r>
+              <a:rPr lang="en-US" i="1" dirty="0"/>
+              <a:t>" </a:t>
+            </a:r>
+            <a:r>
+              <a:rPr lang="en-US" i="1" dirty="0" smtClean="0"/>
+              <a:t>/&gt;</a:t>
+            </a:r>
+          </a:p>
+          <a:p>
+            <a:pPr marL="0" indent="0">
+              <a:buNone/>
+            </a:pPr>
+            <a:r>
+              <a:rPr lang="en-US" dirty="0" smtClean="0"/>
+              <a:t>        &lt;</a:t>
+            </a:r>
+            <a:r>
+              <a:rPr lang="en-US" dirty="0"/>
+              <a:t>script </a:t>
+            </a:r>
+            <a:r>
+              <a:rPr lang="en-US" dirty="0" err="1"/>
+              <a:t>src</a:t>
+            </a:r>
+            <a:r>
+              <a:rPr lang="en-US" dirty="0"/>
+              <a:t>=</a:t>
+            </a:r>
+            <a:r>
+              <a:rPr lang="en-US" i="1" dirty="0"/>
+              <a:t>"</a:t>
+            </a:r>
+            <a:r>
+              <a:rPr lang="en-US" i="1" dirty="0" err="1"/>
+              <a:t>js</a:t>
+            </a:r>
+            <a:r>
+              <a:rPr lang="en-US" i="1" dirty="0"/>
+              <a:t>/jquery.1.6.1.min.js"&gt;&lt;/script&gt;</a:t>
+            </a:r>
+          </a:p>
+          <a:p>
+            <a:pPr marL="0" indent="0">
+              <a:buNone/>
+            </a:pPr>
+            <a:r>
+              <a:rPr lang="en-US" dirty="0" smtClean="0"/>
+              <a:t>        &lt;</a:t>
+            </a:r>
+            <a:r>
+              <a:rPr lang="en-US" dirty="0"/>
+              <a:t>script </a:t>
+            </a:r>
+            <a:r>
+              <a:rPr lang="en-US" dirty="0" err="1"/>
+              <a:t>src</a:t>
+            </a:r>
+            <a:r>
+              <a:rPr lang="en-US" dirty="0"/>
+              <a:t>=</a:t>
+            </a:r>
+            <a:r>
+              <a:rPr lang="en-US" i="1" dirty="0"/>
+              <a:t>"</a:t>
+            </a:r>
+            <a:r>
+              <a:rPr lang="en-US" i="1" dirty="0" err="1" smtClean="0"/>
+              <a:t>js</a:t>
+            </a:r>
+            <a:r>
+              <a:rPr lang="en-US" i="1" dirty="0" smtClean="0"/>
+              <a:t>/jquery.mobile-1.0a4.1.min.js</a:t>
+            </a:r>
+            <a:r>
+              <a:rPr lang="en-US" i="1" dirty="0"/>
+              <a:t>"&gt;&lt;/script</a:t>
+            </a:r>
+            <a:r>
+              <a:rPr lang="en-US" i="1" dirty="0" smtClean="0"/>
+              <a:t>&gt;</a:t>
+            </a:r>
+          </a:p>
+          <a:p>
+            <a:pPr marL="0" indent="0">
+              <a:buNone/>
+            </a:pPr>
+            <a:r>
+              <a:rPr lang="en-US" dirty="0" smtClean="0"/>
+              <a:t>    &lt;/</a:t>
+            </a:r>
+            <a:r>
+              <a:rPr lang="en-US" dirty="0"/>
+              <a:t>head&gt;</a:t>
+            </a:r>
+          </a:p>
+          <a:p>
+            <a:pPr marL="0" indent="0">
+              <a:buNone/>
+            </a:pPr>
+            <a:r>
+              <a:rPr lang="en-US" dirty="0" smtClean="0"/>
+              <a:t>    &lt;</a:t>
+            </a:r>
+            <a:r>
+              <a:rPr lang="en-US" dirty="0"/>
+              <a:t>body</a:t>
+            </a:r>
+            <a:r>
+              <a:rPr lang="en-US" dirty="0" smtClean="0"/>
+              <a:t>&gt;</a:t>
+            </a:r>
+          </a:p>
+          <a:p>
+            <a:pPr marL="0" indent="0">
+              <a:buNone/>
+            </a:pPr>
+            <a:r>
+              <a:rPr lang="en-US" dirty="0" smtClean="0"/>
+              <a:t>        </a:t>
+            </a:r>
+            <a:r>
+              <a:rPr lang="en-US" dirty="0" smtClean="0">
+                <a:solidFill>
+                  <a:srgbClr val="FF0000"/>
+                </a:solidFill>
+              </a:rPr>
+              <a:t>&lt;!-- TODO</a:t>
+            </a:r>
+            <a:r>
+              <a:rPr lang="en-US" dirty="0" smtClean="0">
+                <a:solidFill>
+                  <a:srgbClr val="FF0000"/>
+                </a:solidFill>
+                <a:sym typeface="Wingdings" pitchFamily="2" charset="2"/>
+              </a:rPr>
+              <a:t> --&gt;</a:t>
+            </a:r>
+            <a:endParaRPr lang="en-US" dirty="0" smtClean="0">
+              <a:solidFill>
+                <a:srgbClr val="FF0000"/>
+              </a:solidFill>
+            </a:endParaRPr>
+          </a:p>
+          <a:p>
+            <a:pPr marL="0" indent="0">
+              <a:buNone/>
+            </a:pPr>
+            <a:r>
+              <a:rPr lang="en-US" dirty="0" smtClean="0"/>
+              <a:t>    &lt;/body&gt;</a:t>
+            </a:r>
+          </a:p>
+          <a:p>
+            <a:pPr marL="0" indent="0">
+              <a:buNone/>
+            </a:pPr>
+            <a:r>
+              <a:rPr lang="en-US" dirty="0" smtClean="0"/>
+              <a:t>&lt;/</a:t>
+            </a:r>
+            <a:r>
+              <a:rPr lang="en-US" dirty="0"/>
+              <a:t>html&gt;</a:t>
+            </a:r>
+          </a:p>
+        </p:txBody>
+      </p:sp>
+    </p:spTree>
+    <p:extLst>
+      <p:ext uri="{BB962C8B-B14F-4D97-AF65-F5344CB8AC3E}">
+        <p14:creationId xmlns:p14="http://schemas.microsoft.com/office/powerpoint/2010/main" val="2888932180"/>
+      </p:ext>
+    </p:extLst>
+  </p:cSld>
+  <p:clrMapOvr>
+    <a:masterClrMapping/>
+  </p:clrMapOvr>
+  <p:timing>
+    <p:tnLst>
+      <p:par>
+        <p:cTn id="1" dur="indefinite" restart="never" nodeType="tmRoot"/>
+      </p:par>
+    </p:tnLst>
+  </p:timing>
+</p:sld>
+</file>
+
+<file path=ppt/slides/slide11.xml><?xml version="1.0" encoding="utf-8"?>
+<p:sld xmlns:a="http://schemas.openxmlformats.org/drawingml/2006/main" xmlns:r="http://schemas.openxmlformats.org/officeDocument/2006/relationships" xmlns:p="http://schemas.openxmlformats.org/presentationml/2006/main">
+  <p:cSld>
+    <p:spTree>
+      <p:nvGrpSpPr>
+        <p:cNvPr id="1" name=""/>
+        <p:cNvGrpSpPr/>
+        <p:nvPr/>
+      </p:nvGrpSpPr>
+      <p:grpSpPr>
+        <a:xfrm>
+          <a:off x="0" y="0"/>
+          <a:ext cx="0" cy="0"/>
+          <a:chOff x="0" y="0"/>
+          <a:chExt cx="0" cy="0"/>
+        </a:xfrm>
+      </p:grpSpPr>
+      <p:sp>
+        <p:nvSpPr>
+          <p:cNvPr id="2" name="Title 1"/>
+          <p:cNvSpPr>
+            <a:spLocks noGrp="1"/>
+          </p:cNvSpPr>
+          <p:nvPr>
+            <p:ph type="title"/>
+          </p:nvPr>
+        </p:nvSpPr>
+        <p:spPr/>
+        <p:txBody>
+          <a:bodyPr/>
+          <a:lstStyle/>
+          <a:p>
+            <a:r>
+              <a:rPr lang="en-US" dirty="0" smtClean="0"/>
               <a:t>Create a page</a:t>
             </a:r>
             <a:endParaRPr lang="en-US" dirty="0"/>
@@ -5032,11 +5564,6 @@
               </a:rPr>
               <a:t>        &lt;/footer&gt;</a:t>
             </a:r>
-            <a:endParaRPr lang="en-US" sz="2400" dirty="0" smtClean="0">
-              <a:solidFill>
-                <a:srgbClr val="FF0000"/>
-              </a:solidFill>
-            </a:endParaRPr>
           </a:p>
           <a:p>
             <a:pPr marL="0" indent="0">
@@ -5753,7 +6280,7 @@
 </p:sld>
 </file>
 
-<file path=ppt/slides/slide11.xml><?xml version="1.0" encoding="utf-8"?>
+<file path=ppt/slides/slide12.xml><?xml version="1.0" encoding="utf-8"?>
 <p:sld xmlns:a="http://schemas.openxmlformats.org/drawingml/2006/main" xmlns:r="http://schemas.openxmlformats.org/officeDocument/2006/relationships" xmlns:p="http://schemas.openxmlformats.org/presentationml/2006/main">
   <p:cSld>
     <p:spTree>
@@ -6168,7 +6695,7 @@
 </p:sld>
 </file>
 
-<file path=ppt/slides/slide12.xml><?xml version="1.0" encoding="utf-8"?>
+<file path=ppt/slides/slide13.xml><?xml version="1.0" encoding="utf-8"?>
 <p:sld xmlns:a="http://schemas.openxmlformats.org/drawingml/2006/main" xmlns:r="http://schemas.openxmlformats.org/officeDocument/2006/relationships" xmlns:p="http://schemas.openxmlformats.org/presentationml/2006/main">
   <p:cSld>
     <p:spTree>
@@ -6647,7 +7174,476 @@
 </p:sld>
 </file>
 
-<file path=ppt/slides/slide13.xml><?xml version="1.0" encoding="utf-8"?>
+<file path=ppt/slides/slide14.xml><?xml version="1.0" encoding="utf-8"?>
+<p:sld xmlns:a="http://schemas.openxmlformats.org/drawingml/2006/main" xmlns:r="http://schemas.openxmlformats.org/officeDocument/2006/relationships" xmlns:p="http://schemas.openxmlformats.org/presentationml/2006/main">
+  <p:cSld>
+    <p:spTree>
+      <p:nvGrpSpPr>
+        <p:cNvPr id="1" name=""/>
+        <p:cNvGrpSpPr/>
+        <p:nvPr/>
+      </p:nvGrpSpPr>
+      <p:grpSpPr>
+        <a:xfrm>
+          <a:off x="0" y="0"/>
+          <a:ext cx="0" cy="0"/>
+          <a:chOff x="0" y="0"/>
+          <a:chExt cx="0" cy="0"/>
+        </a:xfrm>
+      </p:grpSpPr>
+      <p:sp>
+        <p:nvSpPr>
+          <p:cNvPr id="2" name="Title 1"/>
+          <p:cNvSpPr>
+            <a:spLocks noGrp="1"/>
+          </p:cNvSpPr>
+          <p:nvPr>
+            <p:ph type="title"/>
+          </p:nvPr>
+        </p:nvSpPr>
+        <p:spPr/>
+        <p:txBody>
+          <a:bodyPr/>
+          <a:lstStyle/>
+          <a:p>
+            <a:r>
+              <a:rPr lang="en-US" dirty="0" smtClean="0"/>
+              <a:t>Dialog</a:t>
+            </a:r>
+            <a:endParaRPr lang="en-US" dirty="0"/>
+          </a:p>
+        </p:txBody>
+      </p:sp>
+      <p:sp>
+        <p:nvSpPr>
+          <p:cNvPr id="3" name="Content Placeholder 2"/>
+          <p:cNvSpPr>
+            <a:spLocks noGrp="1"/>
+          </p:cNvSpPr>
+          <p:nvPr>
+            <p:ph idx="1"/>
+          </p:nvPr>
+        </p:nvSpPr>
+        <p:spPr/>
+        <p:txBody>
+          <a:bodyPr>
+            <a:normAutofit/>
+          </a:bodyPr>
+          <a:lstStyle/>
+          <a:p>
+            <a:pPr marL="0" indent="0">
+              <a:buNone/>
+            </a:pPr>
+            <a:r>
+              <a:rPr lang="en-US" sz="2800" dirty="0" smtClean="0"/>
+              <a:t>&lt;</a:t>
+            </a:r>
+            <a:r>
+              <a:rPr lang="en-US" sz="2800" dirty="0"/>
+              <a:t>a </a:t>
+            </a:r>
+            <a:r>
+              <a:rPr lang="en-US" sz="2800" dirty="0" err="1"/>
+              <a:t>href</a:t>
+            </a:r>
+            <a:r>
+              <a:rPr lang="en-US" sz="2800" dirty="0"/>
+              <a:t>=</a:t>
+            </a:r>
+            <a:r>
+              <a:rPr lang="en-US" sz="2800" i="1" dirty="0"/>
+              <a:t>"lecentral.html" data-role="button" data-icon="</a:t>
+            </a:r>
+            <a:r>
+              <a:rPr lang="en-US" sz="2800" i="1" dirty="0" smtClean="0"/>
+              <a:t>forward“                                 &gt;Show </a:t>
+            </a:r>
+            <a:r>
+              <a:rPr lang="en-US" sz="2800" i="1" dirty="0"/>
+              <a:t>Dialog&lt;/a</a:t>
+            </a:r>
+            <a:r>
+              <a:rPr lang="en-US" sz="2800" i="1" dirty="0" smtClean="0"/>
+              <a:t>&gt;</a:t>
+            </a:r>
+            <a:endParaRPr lang="en-US" sz="2800" dirty="0"/>
+          </a:p>
+        </p:txBody>
+      </p:sp>
+      <p:pic>
+        <p:nvPicPr>
+          <p:cNvPr id="1027" name="Picture 3"/>
+          <p:cNvPicPr>
+            <a:picLocks noChangeAspect="1" noChangeArrowheads="1"/>
+          </p:cNvPicPr>
+          <p:nvPr/>
+        </p:nvPicPr>
+        <p:blipFill>
+          <a:blip r:embed="rId2">
+            <a:extLst>
+              <a:ext uri="{28A0092B-C50C-407E-A947-70E740481C1C}">
+                <a14:useLocalDpi xmlns:a14="http://schemas.microsoft.com/office/drawing/2010/main" val="0"/>
+              </a:ext>
+            </a:extLst>
+          </a:blip>
+          <a:srcRect/>
+          <a:stretch>
+            <a:fillRect/>
+          </a:stretch>
+        </p:blipFill>
+        <p:spPr bwMode="auto">
+          <a:xfrm>
+            <a:off x="5029200" y="2819400"/>
+            <a:ext cx="3523725" cy="4051571"/>
+          </a:xfrm>
+          <a:prstGeom prst="rect">
+            <a:avLst/>
+          </a:prstGeom>
+          <a:noFill/>
+          <a:ln>
+            <a:noFill/>
+          </a:ln>
+          <a:effectLst/>
+          <a:extLst>
+            <a:ext uri="{909E8E84-426E-40DD-AFC4-6F175D3DCCD1}">
+              <a14:hiddenFill xmlns:a14="http://schemas.microsoft.com/office/drawing/2010/main">
+                <a:solidFill>
+                  <a:schemeClr val="accent1"/>
+                </a:solidFill>
+              </a14:hiddenFill>
+            </a:ext>
+            <a:ext uri="{91240B29-F687-4F45-9708-019B960494DF}">
+              <a14:hiddenLine xmlns:a14="http://schemas.microsoft.com/office/drawing/2010/main" w="9525">
+                <a:solidFill>
+                  <a:schemeClr val="tx1"/>
+                </a:solidFill>
+                <a:miter lim="800000"/>
+                <a:headEnd/>
+                <a:tailEnd/>
+              </a14:hiddenLine>
+            </a:ext>
+            <a:ext uri="{AF507438-7753-43E0-B8FC-AC1667EBCBE1}">
+              <a14:hiddenEffects xmlns:a14="http://schemas.microsoft.com/office/drawing/2010/main">
+                <a:effectLst>
+                  <a:outerShdw dist="35921" dir="2700000" algn="ctr" rotWithShape="0">
+                    <a:schemeClr val="bg2"/>
+                  </a:outerShdw>
+                </a:effectLst>
+              </a14:hiddenEffects>
+            </a:ext>
+          </a:extLst>
+        </p:spPr>
+      </p:pic>
+      <p:pic>
+        <p:nvPicPr>
+          <p:cNvPr id="1028" name="Picture 4"/>
+          <p:cNvPicPr>
+            <a:picLocks noChangeAspect="1" noChangeArrowheads="1"/>
+          </p:cNvPicPr>
+          <p:nvPr/>
+        </p:nvPicPr>
+        <p:blipFill>
+          <a:blip r:embed="rId3">
+            <a:extLst>
+              <a:ext uri="{28A0092B-C50C-407E-A947-70E740481C1C}">
+                <a14:useLocalDpi xmlns:a14="http://schemas.microsoft.com/office/drawing/2010/main" val="0"/>
+              </a:ext>
+            </a:extLst>
+          </a:blip>
+          <a:srcRect/>
+          <a:stretch>
+            <a:fillRect/>
+          </a:stretch>
+        </p:blipFill>
+        <p:spPr bwMode="auto">
+          <a:xfrm>
+            <a:off x="685799" y="2819400"/>
+            <a:ext cx="3502003" cy="4038600"/>
+          </a:xfrm>
+          <a:prstGeom prst="rect">
+            <a:avLst/>
+          </a:prstGeom>
+          <a:noFill/>
+          <a:ln>
+            <a:noFill/>
+          </a:ln>
+          <a:effectLst/>
+          <a:extLst>
+            <a:ext uri="{909E8E84-426E-40DD-AFC4-6F175D3DCCD1}">
+              <a14:hiddenFill xmlns:a14="http://schemas.microsoft.com/office/drawing/2010/main">
+                <a:solidFill>
+                  <a:schemeClr val="accent1"/>
+                </a:solidFill>
+              </a14:hiddenFill>
+            </a:ext>
+            <a:ext uri="{91240B29-F687-4F45-9708-019B960494DF}">
+              <a14:hiddenLine xmlns:a14="http://schemas.microsoft.com/office/drawing/2010/main" w="9525">
+                <a:solidFill>
+                  <a:schemeClr val="tx1"/>
+                </a:solidFill>
+                <a:miter lim="800000"/>
+                <a:headEnd/>
+                <a:tailEnd/>
+              </a14:hiddenLine>
+            </a:ext>
+            <a:ext uri="{AF507438-7753-43E0-B8FC-AC1667EBCBE1}">
+              <a14:hiddenEffects xmlns:a14="http://schemas.microsoft.com/office/drawing/2010/main">
+                <a:effectLst>
+                  <a:outerShdw dist="35921" dir="2700000" algn="ctr" rotWithShape="0">
+                    <a:schemeClr val="bg2"/>
+                  </a:outerShdw>
+                </a:effectLst>
+              </a14:hiddenEffects>
+            </a:ext>
+          </a:extLst>
+        </p:spPr>
+      </p:pic>
+      <p:sp>
+        <p:nvSpPr>
+          <p:cNvPr id="5" name="TextBox 4"/>
+          <p:cNvSpPr txBox="1"/>
+          <p:nvPr/>
+        </p:nvSpPr>
+        <p:spPr>
+          <a:xfrm>
+            <a:off x="2743200" y="2067580"/>
+            <a:ext cx="2752805" cy="523220"/>
+          </a:xfrm>
+          <a:prstGeom prst="rect">
+            <a:avLst/>
+          </a:prstGeom>
+          <a:noFill/>
+        </p:spPr>
+        <p:txBody>
+          <a:bodyPr wrap="none" rtlCol="0">
+            <a:spAutoFit/>
+          </a:bodyPr>
+          <a:lstStyle/>
+          <a:p>
+            <a:r>
+              <a:rPr lang="en-US" sz="2800" b="1" dirty="0"/>
+              <a:t>d</a:t>
+            </a:r>
+            <a:r>
+              <a:rPr lang="en-US" sz="2800" b="1" dirty="0" smtClean="0"/>
+              <a:t>ata-</a:t>
+            </a:r>
+            <a:r>
+              <a:rPr lang="en-US" sz="2800" b="1" dirty="0" err="1" smtClean="0"/>
+              <a:t>rel</a:t>
+            </a:r>
+            <a:r>
+              <a:rPr lang="en-US" sz="2800" b="1" dirty="0" smtClean="0"/>
+              <a:t>=“dialog”</a:t>
+            </a:r>
+            <a:endParaRPr lang="en-US" sz="2800" b="1" dirty="0"/>
+          </a:p>
+        </p:txBody>
+      </p:sp>
+    </p:spTree>
+    <p:extLst>
+      <p:ext uri="{BB962C8B-B14F-4D97-AF65-F5344CB8AC3E}">
+        <p14:creationId xmlns:p14="http://schemas.microsoft.com/office/powerpoint/2010/main" val="555870951"/>
+      </p:ext>
+    </p:extLst>
+  </p:cSld>
+  <p:clrMapOvr>
+    <a:masterClrMapping/>
+  </p:clrMapOvr>
+  <p:timing>
+    <p:tnLst>
+      <p:par>
+        <p:cTn id="1" dur="indefinite" restart="never" nodeType="tmRoot">
+          <p:childTnLst>
+            <p:seq concurrent="1" nextAc="seek">
+              <p:cTn id="2" dur="indefinite" nodeType="mainSeq">
+                <p:childTnLst>
+                  <p:par>
+                    <p:cTn id="3" fill="hold">
+                      <p:stCondLst>
+                        <p:cond delay="indefinite"/>
+                      </p:stCondLst>
+                      <p:childTnLst>
+                        <p:par>
+                          <p:cTn id="4" fill="hold">
+                            <p:stCondLst>
+                              <p:cond delay="0"/>
+                            </p:stCondLst>
+                            <p:childTnLst>
+                              <p:par>
+                                <p:cTn id="5" presetID="16" presetClass="entr" presetSubtype="21" fill="hold" nodeType="clickEffect">
+                                  <p:stCondLst>
+                                    <p:cond delay="0"/>
+                                  </p:stCondLst>
+                                  <p:childTnLst>
+                                    <p:set>
+                                      <p:cBhvr>
+                                        <p:cTn id="6" dur="1" fill="hold">
+                                          <p:stCondLst>
+                                            <p:cond delay="0"/>
+                                          </p:stCondLst>
+                                        </p:cTn>
+                                        <p:tgtEl>
+                                          <p:spTgt spid="5">
+                                            <p:txEl>
+                                              <p:pRg st="0" end="0"/>
+                                            </p:txEl>
+                                          </p:spTgt>
+                                        </p:tgtEl>
+                                        <p:attrNameLst>
+                                          <p:attrName>style.visibility</p:attrName>
+                                        </p:attrNameLst>
+                                      </p:cBhvr>
+                                      <p:to>
+                                        <p:strVal val="visible"/>
+                                      </p:to>
+                                    </p:set>
+                                    <p:animEffect transition="in" filter="barn(inVertical)">
+                                      <p:cBhvr>
+                                        <p:cTn id="7" dur="500"/>
+                                        <p:tgtEl>
+                                          <p:spTgt spid="5">
+                                            <p:txEl>
+                                              <p:pRg st="0" end="0"/>
+                                            </p:txEl>
+                                          </p:spTgt>
+                                        </p:tgtEl>
+                                      </p:cBhvr>
+                                    </p:animEffect>
+                                  </p:childTnLst>
+                                </p:cTn>
+                              </p:par>
+                            </p:childTnLst>
+                          </p:cTn>
+                        </p:par>
+                      </p:childTnLst>
+                    </p:cTn>
+                  </p:par>
+                  <p:par>
+                    <p:cTn id="8" fill="hold">
+                      <p:stCondLst>
+                        <p:cond delay="indefinite"/>
+                      </p:stCondLst>
+                      <p:childTnLst>
+                        <p:par>
+                          <p:cTn id="9" fill="hold">
+                            <p:stCondLst>
+                              <p:cond delay="0"/>
+                            </p:stCondLst>
+                            <p:childTnLst>
+                              <p:par>
+                                <p:cTn id="10" presetID="53" presetClass="entr" presetSubtype="16" fill="hold" nodeType="clickEffect">
+                                  <p:stCondLst>
+                                    <p:cond delay="0"/>
+                                  </p:stCondLst>
+                                  <p:childTnLst>
+                                    <p:set>
+                                      <p:cBhvr>
+                                        <p:cTn id="11" dur="1" fill="hold">
+                                          <p:stCondLst>
+                                            <p:cond delay="0"/>
+                                          </p:stCondLst>
+                                        </p:cTn>
+                                        <p:tgtEl>
+                                          <p:spTgt spid="1028"/>
+                                        </p:tgtEl>
+                                        <p:attrNameLst>
+                                          <p:attrName>style.visibility</p:attrName>
+                                        </p:attrNameLst>
+                                      </p:cBhvr>
+                                      <p:to>
+                                        <p:strVal val="visible"/>
+                                      </p:to>
+                                    </p:set>
+                                    <p:anim calcmode="lin" valueType="num">
+                                      <p:cBhvr>
+                                        <p:cTn id="12" dur="500" fill="hold"/>
+                                        <p:tgtEl>
+                                          <p:spTgt spid="1028"/>
+                                        </p:tgtEl>
+                                        <p:attrNameLst>
+                                          <p:attrName>ppt_w</p:attrName>
+                                        </p:attrNameLst>
+                                      </p:cBhvr>
+                                      <p:tavLst>
+                                        <p:tav tm="0">
+                                          <p:val>
+                                            <p:fltVal val="0"/>
+                                          </p:val>
+                                        </p:tav>
+                                        <p:tav tm="100000">
+                                          <p:val>
+                                            <p:strVal val="#ppt_w"/>
+                                          </p:val>
+                                        </p:tav>
+                                      </p:tavLst>
+                                    </p:anim>
+                                    <p:anim calcmode="lin" valueType="num">
+                                      <p:cBhvr>
+                                        <p:cTn id="13" dur="500" fill="hold"/>
+                                        <p:tgtEl>
+                                          <p:spTgt spid="1028"/>
+                                        </p:tgtEl>
+                                        <p:attrNameLst>
+                                          <p:attrName>ppt_h</p:attrName>
+                                        </p:attrNameLst>
+                                      </p:cBhvr>
+                                      <p:tavLst>
+                                        <p:tav tm="0">
+                                          <p:val>
+                                            <p:fltVal val="0"/>
+                                          </p:val>
+                                        </p:tav>
+                                        <p:tav tm="100000">
+                                          <p:val>
+                                            <p:strVal val="#ppt_h"/>
+                                          </p:val>
+                                        </p:tav>
+                                      </p:tavLst>
+                                    </p:anim>
+                                    <p:animEffect transition="in" filter="fade">
+                                      <p:cBhvr>
+                                        <p:cTn id="14" dur="500"/>
+                                        <p:tgtEl>
+                                          <p:spTgt spid="1028"/>
+                                        </p:tgtEl>
+                                      </p:cBhvr>
+                                    </p:animEffect>
+                                  </p:childTnLst>
+                                </p:cTn>
+                              </p:par>
+                            </p:childTnLst>
+                          </p:cTn>
+                        </p:par>
+                      </p:childTnLst>
+                    </p:cTn>
+                  </p:par>
+                </p:childTnLst>
+              </p:cTn>
+              <p:prevCondLst>
+                <p:cond evt="onPrev" delay="0">
+                  <p:tgtEl>
+                    <p:sldTgt/>
+                  </p:tgtEl>
+                </p:cond>
+              </p:prevCondLst>
+              <p:nextCondLst>
+                <p:cond evt="onNext" delay="0">
+                  <p:tgtEl>
+                    <p:sldTgt/>
+                  </p:tgtEl>
+                </p:cond>
+              </p:nextCondLst>
+            </p:seq>
+          </p:childTnLst>
+        </p:cTn>
+      </p:par>
+    </p:tnLst>
+  </p:timing>
+</p:sld>
+</file>
+
+<file path=ppt/slides/slide15.xml><?xml version="1.0" encoding="utf-8"?>
 <p:sld xmlns:a="http://schemas.openxmlformats.org/drawingml/2006/main" xmlns:r="http://schemas.openxmlformats.org/officeDocument/2006/relationships" xmlns:p="http://schemas.openxmlformats.org/presentationml/2006/main">
   <p:cSld>
     <p:spTree>
@@ -7075,7 +8071,7 @@
 </p:sld>
 </file>
 
-<file path=ppt/slides/slide14.xml><?xml version="1.0" encoding="utf-8"?>
+<file path=ppt/slides/slide16.xml><?xml version="1.0" encoding="utf-8"?>
 <p:sld xmlns:a="http://schemas.openxmlformats.org/drawingml/2006/main" xmlns:r="http://schemas.openxmlformats.org/officeDocument/2006/relationships" xmlns:p="http://schemas.openxmlformats.org/presentationml/2006/main">
   <p:cSld>
     <p:spTree>
@@ -7582,7 +8578,7 @@
 </p:sld>
 </file>
 
-<file path=ppt/slides/slide15.xml><?xml version="1.0" encoding="utf-8"?>
+<file path=ppt/slides/slide17.xml><?xml version="1.0" encoding="utf-8"?>
 <p:sld xmlns:a="http://schemas.openxmlformats.org/drawingml/2006/main" xmlns:r="http://schemas.openxmlformats.org/officeDocument/2006/relationships" xmlns:p="http://schemas.openxmlformats.org/presentationml/2006/main">
   <p:cSld>
     <p:spTree>
@@ -7661,7 +8657,6 @@
               <a:rPr lang="en-US" dirty="0" smtClean="0"/>
               <a:t> Mobile</a:t>
             </a:r>
-            <a:endParaRPr lang="en-US" dirty="0" smtClean="0"/>
           </a:p>
         </p:txBody>
       </p:sp>
@@ -8020,7 +9015,7 @@
 </p:sld>
 </file>
 
-<file path=ppt/slides/slide16.xml><?xml version="1.0" encoding="utf-8"?>
+<file path=ppt/slides/slide18.xml><?xml version="1.0" encoding="utf-8"?>
 <p:sld xmlns:a="http://schemas.openxmlformats.org/drawingml/2006/main" xmlns:r="http://schemas.openxmlformats.org/officeDocument/2006/relationships" xmlns:p="http://schemas.openxmlformats.org/presentationml/2006/main">
   <p:cSld>
     <p:spTree>
@@ -8246,7 +9241,19 @@
             </a:r>
             <a:r>
               <a:rPr lang="en-US" dirty="0" smtClean="0"/>
-              <a:t>=“products.html"&gt;Products&lt;/a&gt;&lt;/li&gt;</a:t>
+              <a:t>=“</a:t>
+            </a:r>
+            <a:r>
+              <a:rPr lang="en-US" b="1" dirty="0" smtClean="0">
+                <a:solidFill>
+                  <a:schemeClr val="tx2"/>
+                </a:solidFill>
+              </a:rPr>
+              <a:t>products.html</a:t>
+            </a:r>
+            <a:r>
+              <a:rPr lang="en-US" dirty="0" smtClean="0"/>
+              <a:t>"&gt;Products&lt;/a&gt;&lt;/li&gt;</a:t>
             </a:r>
           </a:p>
           <a:p>
@@ -8263,7 +9270,19 @@
             </a:r>
             <a:r>
               <a:rPr lang="en-US" dirty="0" smtClean="0"/>
-              <a:t>=“services.html"&gt;Services&lt;/a&gt;&lt;/li&gt;</a:t>
+              <a:t>=“</a:t>
+            </a:r>
+            <a:r>
+              <a:rPr lang="en-US" b="1" dirty="0" smtClean="0">
+                <a:solidFill>
+                  <a:schemeClr val="tx2"/>
+                </a:solidFill>
+              </a:rPr>
+              <a:t>services.html</a:t>
+            </a:r>
+            <a:r>
+              <a:rPr lang="en-US" dirty="0" smtClean="0"/>
+              <a:t>"&gt;Services&lt;/a&gt;&lt;/li&gt;</a:t>
             </a:r>
           </a:p>
           <a:p>
@@ -8280,7 +9299,19 @@
             </a:r>
             <a:r>
               <a:rPr lang="en-US" dirty="0" smtClean="0"/>
-              <a:t>=“about.html"&gt;About us&lt;/a&gt;&lt;/li&gt;</a:t>
+              <a:t>=“</a:t>
+            </a:r>
+            <a:r>
+              <a:rPr lang="en-US" b="1" dirty="0" smtClean="0">
+                <a:solidFill>
+                  <a:schemeClr val="tx2"/>
+                </a:solidFill>
+              </a:rPr>
+              <a:t>about.html</a:t>
+            </a:r>
+            <a:r>
+              <a:rPr lang="en-US" dirty="0" smtClean="0"/>
+              <a:t>"&gt;About us&lt;/a&gt;&lt;/li&gt;</a:t>
             </a:r>
           </a:p>
           <a:p>
@@ -8293,11 +9324,7 @@
             </a:r>
             <a:r>
               <a:rPr lang="en-US" dirty="0" smtClean="0"/>
-              <a:t>           </a:t>
-            </a:r>
-            <a:r>
-              <a:rPr lang="en-US" dirty="0" smtClean="0"/>
-              <a:t>&lt;li&gt;&lt;a </a:t>
+              <a:t>           &lt;li&gt;&lt;a </a:t>
             </a:r>
             <a:r>
               <a:rPr lang="en-US" dirty="0" err="1" smtClean="0"/>
@@ -8305,7 +9332,19 @@
             </a:r>
             <a:r>
               <a:rPr lang="en-US" dirty="0" smtClean="0"/>
-              <a:t>=“contact.html"&gt;Contact&lt;/a&gt;&lt;/li&gt;</a:t>
+              <a:t>=“</a:t>
+            </a:r>
+            <a:r>
+              <a:rPr lang="en-US" b="1" dirty="0" smtClean="0">
+                <a:solidFill>
+                  <a:schemeClr val="tx2"/>
+                </a:solidFill>
+              </a:rPr>
+              <a:t>contact.html</a:t>
+            </a:r>
+            <a:r>
+              <a:rPr lang="en-US" dirty="0" smtClean="0"/>
+              <a:t>"&gt;Contact&lt;/a&gt;&lt;/li&gt;</a:t>
             </a:r>
           </a:p>
           <a:p>
@@ -9028,7 +10067,7 @@
 </p:sld>
 </file>
 
-<file path=ppt/slides/slide17.xml><?xml version="1.0" encoding="utf-8"?>
+<file path=ppt/slides/slide19.xml><?xml version="1.0" encoding="utf-8"?>
 <p:sld xmlns:a="http://schemas.openxmlformats.org/drawingml/2006/main" xmlns:r="http://schemas.openxmlformats.org/officeDocument/2006/relationships" xmlns:p="http://schemas.openxmlformats.org/presentationml/2006/main">
   <p:cSld>
     <p:spTree>
@@ -9441,7 +10480,121 @@
 </p:sld>
 </file>
 
-<file path=ppt/slides/slide18.xml><?xml version="1.0" encoding="utf-8"?>
+<file path=ppt/slides/slide2.xml><?xml version="1.0" encoding="utf-8"?>
+<p:sld xmlns:a="http://schemas.openxmlformats.org/drawingml/2006/main" xmlns:r="http://schemas.openxmlformats.org/officeDocument/2006/relationships" xmlns:p="http://schemas.openxmlformats.org/presentationml/2006/main">
+  <p:cSld>
+    <p:spTree>
+      <p:nvGrpSpPr>
+        <p:cNvPr id="1" name=""/>
+        <p:cNvGrpSpPr/>
+        <p:nvPr/>
+      </p:nvGrpSpPr>
+      <p:grpSpPr>
+        <a:xfrm>
+          <a:off x="0" y="0"/>
+          <a:ext cx="0" cy="0"/>
+          <a:chOff x="0" y="0"/>
+          <a:chExt cx="0" cy="0"/>
+        </a:xfrm>
+      </p:grpSpPr>
+      <p:sp>
+        <p:nvSpPr>
+          <p:cNvPr id="2" name="Title 1"/>
+          <p:cNvSpPr>
+            <a:spLocks noGrp="1"/>
+          </p:cNvSpPr>
+          <p:nvPr>
+            <p:ph type="title"/>
+          </p:nvPr>
+        </p:nvSpPr>
+        <p:spPr/>
+        <p:txBody>
+          <a:bodyPr>
+            <a:normAutofit/>
+          </a:bodyPr>
+          <a:lstStyle/>
+          <a:p>
+            <a:r>
+              <a:rPr lang="en-US" dirty="0" smtClean="0"/>
+              <a:t>HTML Interface</a:t>
+            </a:r>
+            <a:endParaRPr lang="en-US" dirty="0"/>
+          </a:p>
+        </p:txBody>
+      </p:sp>
+      <p:sp>
+        <p:nvSpPr>
+          <p:cNvPr id="3" name="Content Placeholder 2"/>
+          <p:cNvSpPr>
+            <a:spLocks noGrp="1"/>
+          </p:cNvSpPr>
+          <p:nvPr>
+            <p:ph idx="1"/>
+          </p:nvPr>
+        </p:nvSpPr>
+        <p:spPr/>
+        <p:txBody>
+          <a:bodyPr/>
+          <a:lstStyle/>
+          <a:p>
+            <a:r>
+              <a:rPr lang="en-US" dirty="0" smtClean="0"/>
+              <a:t>HTML and CSS</a:t>
+            </a:r>
+          </a:p>
+          <a:p>
+            <a:r>
+              <a:rPr lang="en-US" dirty="0" err="1" smtClean="0"/>
+              <a:t>iWebKit</a:t>
+            </a:r>
+            <a:endParaRPr lang="en-US" dirty="0" smtClean="0"/>
+          </a:p>
+          <a:p>
+            <a:r>
+              <a:rPr lang="en-US" dirty="0" err="1" smtClean="0"/>
+              <a:t>jQTouch</a:t>
+            </a:r>
+            <a:endParaRPr lang="en-US" dirty="0" smtClean="0"/>
+          </a:p>
+          <a:p>
+            <a:r>
+              <a:rPr lang="en-US" dirty="0" err="1" smtClean="0"/>
+              <a:t>Sencha</a:t>
+            </a:r>
+            <a:r>
+              <a:rPr lang="en-US" dirty="0" smtClean="0"/>
+              <a:t> Touch</a:t>
+            </a:r>
+          </a:p>
+          <a:p>
+            <a:r>
+              <a:rPr lang="en-US" dirty="0" smtClean="0"/>
+              <a:t>BlackBerry UI</a:t>
+            </a:r>
+          </a:p>
+        </p:txBody>
+      </p:sp>
+    </p:spTree>
+    <p:extLst>
+      <p:ext uri="{BB962C8B-B14F-4D97-AF65-F5344CB8AC3E}">
+        <p14:creationId xmlns:p14="http://schemas.microsoft.com/office/powerpoint/2010/main" val="1058515199"/>
+      </p:ext>
+    </p:extLst>
+  </p:cSld>
+  <p:clrMapOvr>
+    <a:masterClrMapping/>
+  </p:clrMapOvr>
+  <p:timing>
+    <p:tnLst>
+      <p:par>
+        <p:cTn id="1" dur="indefinite" restart="never" nodeType="tmRoot"/>
+      </p:par>
+    </p:tnLst>
+  </p:timing>
+</p:sld>
+</file>
+
+<file path=ppt/slides/slide20.xml><?xml version="1.0" encoding="utf-8"?>
 <p:sld xmlns:a="http://schemas.openxmlformats.org/drawingml/2006/main" xmlns:r="http://schemas.openxmlformats.org/officeDocument/2006/relationships" xmlns:p="http://schemas.openxmlformats.org/presentationml/2006/main">
   <p:cSld>
     <p:spTree>
@@ -9822,7 +10975,7 @@
 </p:sld>
 </file>
 
-<file path=ppt/slides/slide19.xml><?xml version="1.0" encoding="utf-8"?>
+<file path=ppt/slides/slide21.xml><?xml version="1.0" encoding="utf-8"?>
 <p:sld xmlns:a="http://schemas.openxmlformats.org/drawingml/2006/main" xmlns:r="http://schemas.openxmlformats.org/officeDocument/2006/relationships" xmlns:p="http://schemas.openxmlformats.org/presentationml/2006/main">
   <p:cSld>
     <p:spTree>
@@ -10735,363 +11888,6 @@
 </p:sld>
 </file>
 
-<file path=ppt/slides/slide2.xml><?xml version="1.0" encoding="utf-8"?>
-<p:sld xmlns:a="http://schemas.openxmlformats.org/drawingml/2006/main" xmlns:r="http://schemas.openxmlformats.org/officeDocument/2006/relationships" xmlns:p="http://schemas.openxmlformats.org/presentationml/2006/main">
-  <p:cSld>
-    <p:spTree>
-      <p:nvGrpSpPr>
-        <p:cNvPr id="1" name=""/>
-        <p:cNvGrpSpPr/>
-        <p:nvPr/>
-      </p:nvGrpSpPr>
-      <p:grpSpPr>
-        <a:xfrm>
-          <a:off x="0" y="0"/>
-          <a:ext cx="0" cy="0"/>
-          <a:chOff x="0" y="0"/>
-          <a:chExt cx="0" cy="0"/>
-        </a:xfrm>
-      </p:grpSpPr>
-      <p:sp>
-        <p:nvSpPr>
-          <p:cNvPr id="2" name="Title 1"/>
-          <p:cNvSpPr>
-            <a:spLocks noGrp="1"/>
-          </p:cNvSpPr>
-          <p:nvPr>
-            <p:ph type="title"/>
-          </p:nvPr>
-        </p:nvSpPr>
-        <p:spPr/>
-        <p:txBody>
-          <a:bodyPr>
-            <a:normAutofit/>
-          </a:bodyPr>
-          <a:lstStyle/>
-          <a:p>
-            <a:r>
-              <a:rPr lang="en-US" dirty="0" smtClean="0"/>
-              <a:t>HTML Interface</a:t>
-            </a:r>
-            <a:endParaRPr lang="en-US" dirty="0"/>
-          </a:p>
-        </p:txBody>
-      </p:sp>
-      <p:sp>
-        <p:nvSpPr>
-          <p:cNvPr id="3" name="Content Placeholder 2"/>
-          <p:cNvSpPr>
-            <a:spLocks noGrp="1"/>
-          </p:cNvSpPr>
-          <p:nvPr>
-            <p:ph idx="1"/>
-          </p:nvPr>
-        </p:nvSpPr>
-        <p:spPr/>
-        <p:txBody>
-          <a:bodyPr/>
-          <a:lstStyle/>
-          <a:p>
-            <a:r>
-              <a:rPr lang="en-US" dirty="0" smtClean="0"/>
-              <a:t>HTML and CSS</a:t>
-            </a:r>
-          </a:p>
-          <a:p>
-            <a:r>
-              <a:rPr lang="en-US" dirty="0" err="1" smtClean="0"/>
-              <a:t>iWebKit</a:t>
-            </a:r>
-            <a:endParaRPr lang="en-US" dirty="0" smtClean="0"/>
-          </a:p>
-          <a:p>
-            <a:r>
-              <a:rPr lang="en-US" dirty="0" err="1" smtClean="0"/>
-              <a:t>jQTouch</a:t>
-            </a:r>
-            <a:endParaRPr lang="en-US" dirty="0" smtClean="0"/>
-          </a:p>
-          <a:p>
-            <a:r>
-              <a:rPr lang="en-US" dirty="0" err="1" smtClean="0"/>
-              <a:t>Sencha</a:t>
-            </a:r>
-            <a:r>
-              <a:rPr lang="en-US" dirty="0" smtClean="0"/>
-              <a:t> Touch</a:t>
-            </a:r>
-          </a:p>
-          <a:p>
-            <a:r>
-              <a:rPr lang="en-US" dirty="0" smtClean="0"/>
-              <a:t>BlackBerry UI</a:t>
-            </a:r>
-          </a:p>
-        </p:txBody>
-      </p:sp>
-    </p:spTree>
-    <p:extLst>
-      <p:ext uri="{BB962C8B-B14F-4D97-AF65-F5344CB8AC3E}">
-        <p14:creationId xmlns:p14="http://schemas.microsoft.com/office/powerpoint/2010/main" val="1058515199"/>
-      </p:ext>
-    </p:extLst>
-  </p:cSld>
-  <p:clrMapOvr>
-    <a:masterClrMapping/>
-  </p:clrMapOvr>
-  <p:timing>
-    <p:tnLst>
-      <p:par>
-        <p:cTn id="1" dur="indefinite" restart="never" nodeType="tmRoot"/>
-      </p:par>
-    </p:tnLst>
-  </p:timing>
-</p:sld>
-</file>
-
-<file path=ppt/slides/slide20.xml><?xml version="1.0" encoding="utf-8"?>
-<p:sld xmlns:a="http://schemas.openxmlformats.org/drawingml/2006/main" xmlns:r="http://schemas.openxmlformats.org/officeDocument/2006/relationships" xmlns:p="http://schemas.openxmlformats.org/presentationml/2006/main">
-  <p:cSld>
-    <p:spTree>
-      <p:nvGrpSpPr>
-        <p:cNvPr id="1" name=""/>
-        <p:cNvGrpSpPr/>
-        <p:nvPr/>
-      </p:nvGrpSpPr>
-      <p:grpSpPr>
-        <a:xfrm>
-          <a:off x="0" y="0"/>
-          <a:ext cx="0" cy="0"/>
-          <a:chOff x="0" y="0"/>
-          <a:chExt cx="0" cy="0"/>
-        </a:xfrm>
-      </p:grpSpPr>
-      <p:sp>
-        <p:nvSpPr>
-          <p:cNvPr id="2" name="Title 1"/>
-          <p:cNvSpPr>
-            <a:spLocks noGrp="1"/>
-          </p:cNvSpPr>
-          <p:nvPr>
-            <p:ph type="title"/>
-          </p:nvPr>
-        </p:nvSpPr>
-        <p:spPr/>
-        <p:txBody>
-          <a:bodyPr/>
-          <a:lstStyle/>
-          <a:p>
-            <a:r>
-              <a:rPr lang="en-US" dirty="0"/>
-              <a:t>V</a:t>
-            </a:r>
-            <a:r>
-              <a:rPr lang="en-US" dirty="0" smtClean="0"/>
-              <a:t>ia </a:t>
-            </a:r>
-            <a:r>
-              <a:rPr lang="en-US" dirty="0" err="1" smtClean="0"/>
-              <a:t>jQuery</a:t>
-            </a:r>
-            <a:r>
-              <a:rPr lang="en-US" dirty="0" smtClean="0"/>
-              <a:t> Mobile</a:t>
-            </a:r>
-            <a:endParaRPr lang="en-US" dirty="0"/>
-          </a:p>
-        </p:txBody>
-      </p:sp>
-      <p:sp>
-        <p:nvSpPr>
-          <p:cNvPr id="3" name="Content Placeholder 2"/>
-          <p:cNvSpPr>
-            <a:spLocks noGrp="1"/>
-          </p:cNvSpPr>
-          <p:nvPr>
-            <p:ph idx="1"/>
-          </p:nvPr>
-        </p:nvSpPr>
-        <p:spPr/>
-        <p:txBody>
-          <a:bodyPr/>
-          <a:lstStyle/>
-          <a:p>
-            <a:r>
-              <a:rPr lang="en-US" dirty="0" smtClean="0"/>
-              <a:t>Change Page </a:t>
-            </a:r>
-          </a:p>
-          <a:p>
-            <a:pPr marL="0" indent="0">
-              <a:buNone/>
-            </a:pPr>
-            <a:r>
-              <a:rPr lang="en-US" sz="2800" dirty="0" smtClean="0"/>
-              <a:t>$.</a:t>
-            </a:r>
-            <a:r>
-              <a:rPr lang="en-US" sz="2800" dirty="0" err="1" smtClean="0"/>
-              <a:t>mobile.changePage</a:t>
-            </a:r>
-            <a:r>
-              <a:rPr lang="en-US" sz="2800" dirty="0" smtClean="0"/>
-              <a:t>(to, transition, back, </a:t>
-            </a:r>
-            <a:r>
-              <a:rPr lang="en-US" sz="2800" dirty="0" err="1" smtClean="0"/>
-              <a:t>changeHash</a:t>
-            </a:r>
-            <a:r>
-              <a:rPr lang="en-US" sz="2800" dirty="0" smtClean="0"/>
-              <a:t>)</a:t>
-            </a:r>
-          </a:p>
-          <a:p>
-            <a:r>
-              <a:rPr lang="en-US" dirty="0" smtClean="0"/>
-              <a:t>…and Back!</a:t>
-            </a:r>
-          </a:p>
-          <a:p>
-            <a:pPr marL="0" indent="0">
-              <a:buNone/>
-            </a:pPr>
-            <a:r>
-              <a:rPr lang="en-US" sz="2800" dirty="0" err="1" smtClean="0"/>
-              <a:t>window.history.back</a:t>
-            </a:r>
-            <a:r>
-              <a:rPr lang="en-US" sz="2800" dirty="0" smtClean="0"/>
-              <a:t>();</a:t>
-            </a:r>
-          </a:p>
-        </p:txBody>
-      </p:sp>
-    </p:spTree>
-    <p:extLst>
-      <p:ext uri="{BB962C8B-B14F-4D97-AF65-F5344CB8AC3E}">
-        <p14:creationId xmlns:p14="http://schemas.microsoft.com/office/powerpoint/2010/main" val="1315158484"/>
-      </p:ext>
-    </p:extLst>
-  </p:cSld>
-  <p:clrMapOvr>
-    <a:masterClrMapping/>
-  </p:clrMapOvr>
-  <p:timing>
-    <p:tnLst>
-      <p:par>
-        <p:cTn id="1" dur="indefinite" restart="never" nodeType="tmRoot"/>
-      </p:par>
-    </p:tnLst>
-  </p:timing>
-</p:sld>
-</file>
-
-<file path=ppt/slides/slide21.xml><?xml version="1.0" encoding="utf-8"?>
-<p:sld xmlns:a="http://schemas.openxmlformats.org/drawingml/2006/main" xmlns:r="http://schemas.openxmlformats.org/officeDocument/2006/relationships" xmlns:p="http://schemas.openxmlformats.org/presentationml/2006/main">
-  <p:cSld>
-    <p:spTree>
-      <p:nvGrpSpPr>
-        <p:cNvPr id="1" name=""/>
-        <p:cNvGrpSpPr/>
-        <p:nvPr/>
-      </p:nvGrpSpPr>
-      <p:grpSpPr>
-        <a:xfrm>
-          <a:off x="0" y="0"/>
-          <a:ext cx="0" cy="0"/>
-          <a:chOff x="0" y="0"/>
-          <a:chExt cx="0" cy="0"/>
-        </a:xfrm>
-      </p:grpSpPr>
-      <p:sp>
-        <p:nvSpPr>
-          <p:cNvPr id="2" name="Title 1"/>
-          <p:cNvSpPr>
-            <a:spLocks noGrp="1"/>
-          </p:cNvSpPr>
-          <p:nvPr>
-            <p:ph type="title"/>
-          </p:nvPr>
-        </p:nvSpPr>
-        <p:spPr/>
-        <p:txBody>
-          <a:bodyPr>
-            <a:normAutofit/>
-          </a:bodyPr>
-          <a:lstStyle/>
-          <a:p>
-            <a:r>
-              <a:rPr lang="en-US" dirty="0" smtClean="0"/>
-              <a:t>Passing Data Between Pages</a:t>
-            </a:r>
-            <a:endParaRPr lang="en-US" dirty="0"/>
-          </a:p>
-        </p:txBody>
-      </p:sp>
-      <p:sp>
-        <p:nvSpPr>
-          <p:cNvPr id="3" name="Content Placeholder 2"/>
-          <p:cNvSpPr>
-            <a:spLocks noGrp="1"/>
-          </p:cNvSpPr>
-          <p:nvPr>
-            <p:ph idx="1"/>
-          </p:nvPr>
-        </p:nvSpPr>
-        <p:spPr/>
-        <p:txBody>
-          <a:bodyPr/>
-          <a:lstStyle/>
-          <a:p>
-            <a:r>
-              <a:rPr lang="en-US" dirty="0" smtClean="0"/>
-              <a:t>HTML 5 DOM storage</a:t>
-            </a:r>
-          </a:p>
-          <a:p>
-            <a:r>
-              <a:rPr lang="en-US" dirty="0" smtClean="0"/>
-              <a:t>Global variables</a:t>
-            </a:r>
-          </a:p>
-          <a:p>
-            <a:r>
-              <a:rPr lang="en-US" dirty="0" smtClean="0"/>
-              <a:t>The </a:t>
-            </a:r>
-            <a:r>
-              <a:rPr lang="en-US" dirty="0" err="1" smtClean="0"/>
-              <a:t>jQuery.data</a:t>
-            </a:r>
-            <a:r>
-              <a:rPr lang="en-US" dirty="0" smtClean="0"/>
-              <a:t>() method</a:t>
-            </a:r>
-            <a:endParaRPr lang="en-US" dirty="0"/>
-          </a:p>
-        </p:txBody>
-      </p:sp>
-    </p:spTree>
-    <p:extLst>
-      <p:ext uri="{BB962C8B-B14F-4D97-AF65-F5344CB8AC3E}">
-        <p14:creationId xmlns:p14="http://schemas.microsoft.com/office/powerpoint/2010/main" val="3114950932"/>
-      </p:ext>
-    </p:extLst>
-  </p:cSld>
-  <p:clrMapOvr>
-    <a:masterClrMapping/>
-  </p:clrMapOvr>
-  <p:timing>
-    <p:tnLst>
-      <p:par>
-        <p:cTn id="1" dur="indefinite" restart="never" nodeType="tmRoot"/>
-      </p:par>
-    </p:tnLst>
-  </p:timing>
-</p:sld>
-</file>
-
 <file path=ppt/slides/slide22.xml><?xml version="1.0" encoding="utf-8"?>
 <p:sld xmlns:a="http://schemas.openxmlformats.org/drawingml/2006/main" xmlns:r="http://schemas.openxmlformats.org/officeDocument/2006/relationships" xmlns:p="http://schemas.openxmlformats.org/presentationml/2006/main">
   <p:cSld>
@@ -11125,8 +11921,20 @@
           <a:lstStyle/>
           <a:p>
             <a:r>
-              <a:rPr lang="en-US" dirty="0" smtClean="0"/>
-              <a:t>Configuring Defaults</a:t>
+              <a:rPr lang="en-US" dirty="0"/>
+              <a:t>V</a:t>
+            </a:r>
+            <a:r>
+              <a:rPr lang="en-US" dirty="0" smtClean="0"/>
+              <a:t>ia </a:t>
+            </a:r>
+            <a:r>
+              <a:rPr lang="en-US" dirty="0" err="1" smtClean="0"/>
+              <a:t>jQuery</a:t>
+            </a:r>
+            <a:r>
+              <a:rPr lang="en-US" dirty="0" smtClean="0"/>
+              <a:t> Mobile</a:t>
             </a:r>
             <a:endParaRPr lang="en-US" dirty="0"/>
           </a:p>
@@ -11142,86 +11950,66 @@
             <p:ph idx="1"/>
           </p:nvPr>
         </p:nvSpPr>
-        <p:spPr>
-          <a:xfrm>
-            <a:off x="76200" y="1600200"/>
-            <a:ext cx="9144000" cy="4525963"/>
-          </a:xfrm>
-        </p:spPr>
+        <p:spPr/>
         <p:txBody>
           <a:bodyPr/>
           <a:lstStyle/>
           <a:p>
             <a:r>
-              <a:rPr lang="en-US" dirty="0" err="1" smtClean="0"/>
-              <a:t>defaultTransition</a:t>
-            </a:r>
-            <a:r>
-              <a:rPr lang="en-US" dirty="0" smtClean="0"/>
-              <a:t> (string, default: 'slide')</a:t>
-            </a:r>
-          </a:p>
-          <a:p>
-            <a:r>
-              <a:rPr lang="en-US" dirty="0" err="1" smtClean="0"/>
-              <a:t>loadingMessage</a:t>
-            </a:r>
-            <a:r>
-              <a:rPr lang="en-US" dirty="0" smtClean="0"/>
-              <a:t> (string, default: "loading")</a:t>
-            </a:r>
-          </a:p>
-          <a:p>
-            <a:r>
-              <a:rPr lang="en-US" dirty="0" err="1" smtClean="0"/>
-              <a:t>errorMessage</a:t>
-            </a:r>
-            <a:r>
-              <a:rPr lang="en-US" dirty="0" smtClean="0"/>
-              <a:t> (string, default: "Error loading page")</a:t>
-            </a:r>
-          </a:p>
-          <a:p>
-            <a:r>
-              <a:rPr lang="en-US" dirty="0" err="1" smtClean="0"/>
-              <a:t>backBtnText</a:t>
-            </a:r>
-            <a:r>
-              <a:rPr lang="en-US" dirty="0" smtClean="0"/>
-              <a:t> (string, default: 'back')</a:t>
-            </a:r>
-          </a:p>
-          <a:p>
-            <a:r>
-              <a:rPr lang="en-US" dirty="0" err="1" smtClean="0"/>
-              <a:t>ajaxEnabled</a:t>
-            </a:r>
-            <a:r>
-              <a:rPr lang="en-US" dirty="0" smtClean="0"/>
-              <a:t> (</a:t>
-            </a:r>
-            <a:r>
-              <a:rPr lang="en-US" dirty="0" err="1" smtClean="0"/>
-              <a:t>boolean</a:t>
-            </a:r>
-            <a:r>
-              <a:rPr lang="en-US" dirty="0" smtClean="0"/>
-              <a:t>, default: true)</a:t>
-            </a:r>
-          </a:p>
-          <a:p>
-            <a:r>
-              <a:rPr lang="en-US" dirty="0" smtClean="0"/>
-              <a:t>and more!</a:t>
-            </a:r>
-            <a:endParaRPr lang="en-US" dirty="0"/>
+              <a:rPr lang="en-US" dirty="0" smtClean="0"/>
+              <a:t>Change Page </a:t>
+            </a:r>
+          </a:p>
+          <a:p>
+            <a:pPr marL="0" indent="0">
+              <a:buNone/>
+            </a:pPr>
+            <a:r>
+              <a:rPr lang="en-US" sz="2800" dirty="0" smtClean="0"/>
+              <a:t>$.</a:t>
+            </a:r>
+            <a:r>
+              <a:rPr lang="en-US" sz="2800" dirty="0" err="1" smtClean="0"/>
+              <a:t>mobile.changePage</a:t>
+            </a:r>
+            <a:r>
+              <a:rPr lang="en-US" sz="2800" dirty="0" smtClean="0"/>
+              <a:t>(to, transition, back, </a:t>
+            </a:r>
+            <a:r>
+              <a:rPr lang="en-US" sz="2800" dirty="0" err="1" smtClean="0"/>
+              <a:t>changeHash</a:t>
+            </a:r>
+            <a:r>
+              <a:rPr lang="en-US" sz="2800" dirty="0" smtClean="0"/>
+              <a:t>)</a:t>
+            </a:r>
+          </a:p>
+          <a:p>
+            <a:r>
+              <a:rPr lang="en-US" dirty="0" smtClean="0"/>
+              <a:t>…and Back!</a:t>
+            </a:r>
+          </a:p>
+          <a:p>
+            <a:pPr marL="0" indent="0">
+              <a:buNone/>
+            </a:pPr>
+            <a:r>
+              <a:rPr lang="en-US" sz="2800" dirty="0" err="1" smtClean="0"/>
+              <a:t>window.history.back</a:t>
+            </a:r>
+            <a:r>
+              <a:rPr lang="en-US" sz="2800" dirty="0" smtClean="0"/>
+              <a:t>();</a:t>
+            </a:r>
           </a:p>
         </p:txBody>
       </p:sp>
     </p:spTree>
     <p:extLst>
       <p:ext uri="{BB962C8B-B14F-4D97-AF65-F5344CB8AC3E}">
-        <p14:creationId xmlns:p14="http://schemas.microsoft.com/office/powerpoint/2010/main" val="3802907592"/>
+        <p14:creationId xmlns:p14="http://schemas.microsoft.com/office/powerpoint/2010/main" val="1315158484"/>
       </p:ext>
     </p:extLst>
   </p:cSld>
@@ -11267,12 +12055,14 @@
         </p:nvSpPr>
         <p:spPr/>
         <p:txBody>
-          <a:bodyPr/>
+          <a:bodyPr>
+            <a:normAutofit/>
+          </a:bodyPr>
           <a:lstStyle/>
           <a:p>
             <a:r>
               <a:rPr lang="en-US" dirty="0" smtClean="0"/>
-              <a:t>Overriding Defaults</a:t>
+              <a:t>Passing Data Between Pages</a:t>
             </a:r>
             <a:endParaRPr lang="en-US" dirty="0"/>
           </a:p>
@@ -11288,135 +12078,34 @@
             <p:ph idx="1"/>
           </p:nvPr>
         </p:nvSpPr>
-        <p:spPr>
-          <a:xfrm>
-            <a:off x="381000" y="1600200"/>
-            <a:ext cx="8382000" cy="4525963"/>
-          </a:xfrm>
-        </p:spPr>
+        <p:spPr/>
         <p:txBody>
-          <a:bodyPr>
-            <a:normAutofit fontScale="70000" lnSpcReduction="20000"/>
-          </a:bodyPr>
+          <a:bodyPr/>
           <a:lstStyle/>
           <a:p>
             <a:r>
-              <a:rPr lang="en-US" sz="4600" dirty="0" smtClean="0"/>
-              <a:t>Extend the $.mobile object:</a:t>
-            </a:r>
-          </a:p>
-          <a:p>
-            <a:pPr marL="0" indent="0">
-              <a:buNone/>
-            </a:pPr>
-            <a:r>
-              <a:rPr lang="en-US" dirty="0" smtClean="0"/>
-              <a:t>$(document).bind("</a:t>
+              <a:rPr lang="en-US" dirty="0" smtClean="0"/>
+              <a:t>HTML 5 DOM storage</a:t>
+            </a:r>
+          </a:p>
+          <a:p>
+            <a:r>
+              <a:rPr lang="en-US" dirty="0" smtClean="0"/>
+              <a:t>Global variables</a:t>
+            </a:r>
+          </a:p>
+          <a:p>
+            <a:r>
+              <a:rPr lang="en-US" dirty="0" smtClean="0"/>
+              <a:t>The </a:t>
             </a:r>
             <a:r>
               <a:rPr lang="en-US" dirty="0" err="1" smtClean="0"/>
-              <a:t>mobileinit</a:t>
-            </a:r>
-            <a:r>
-              <a:rPr lang="en-US" dirty="0" smtClean="0"/>
-              <a:t>", function(){</a:t>
-            </a:r>
-          </a:p>
-          <a:p>
-            <a:pPr marL="0" indent="0">
-              <a:buNone/>
-            </a:pPr>
-            <a:r>
-              <a:rPr lang="en-US" dirty="0" smtClean="0"/>
-              <a:t>  $.extend(  $.mobile , {</a:t>
-            </a:r>
-          </a:p>
-          <a:p>
-            <a:pPr marL="0" indent="0">
-              <a:buNone/>
-            </a:pPr>
-            <a:r>
-              <a:rPr lang="en-US" dirty="0" smtClean="0"/>
-              <a:t>    foo: bar</a:t>
-            </a:r>
-          </a:p>
-          <a:p>
-            <a:pPr marL="0" indent="0">
-              <a:buNone/>
-            </a:pPr>
-            <a:r>
-              <a:rPr lang="en-US" dirty="0" smtClean="0"/>
-              <a:t>  });</a:t>
-            </a:r>
-          </a:p>
-          <a:p>
-            <a:pPr marL="0" indent="0">
-              <a:buNone/>
-            </a:pPr>
-            <a:r>
-              <a:rPr lang="en-US" dirty="0" smtClean="0"/>
-              <a:t>});</a:t>
-            </a:r>
-          </a:p>
-          <a:p>
-            <a:pPr marL="0" indent="0">
-              <a:buNone/>
-            </a:pPr>
-            <a:endParaRPr lang="en-US" dirty="0" smtClean="0"/>
-          </a:p>
-          <a:p>
-            <a:r>
-              <a:rPr lang="en-US" sz="4600" dirty="0" smtClean="0"/>
-              <a:t>...or set individually:</a:t>
-            </a:r>
-          </a:p>
-          <a:p>
-            <a:pPr marL="0" indent="0">
-              <a:buNone/>
-            </a:pPr>
-            <a:endParaRPr lang="en-US" dirty="0" smtClean="0"/>
-          </a:p>
-          <a:p>
-            <a:pPr marL="0" indent="0">
-              <a:buNone/>
-            </a:pPr>
-            <a:r>
-              <a:rPr lang="en-US" dirty="0" smtClean="0"/>
-              <a:t>$(document).bind("</a:t>
-            </a:r>
-            <a:r>
-              <a:rPr lang="en-US" dirty="0" err="1" smtClean="0"/>
-              <a:t>mobileinit</a:t>
-            </a:r>
-            <a:r>
-              <a:rPr lang="en-US" dirty="0" smtClean="0"/>
-              <a:t>", function(){</a:t>
-            </a:r>
-          </a:p>
-          <a:p>
-            <a:pPr marL="0" indent="0">
-              <a:buNone/>
-            </a:pPr>
-            <a:r>
-              <a:rPr lang="en-US" dirty="0" smtClean="0"/>
-              <a:t>  $.</a:t>
-            </a:r>
-            <a:r>
-              <a:rPr lang="en-US" dirty="0" err="1" smtClean="0"/>
-              <a:t>mobile.foo</a:t>
-            </a:r>
-            <a:r>
-              <a:rPr lang="en-US" dirty="0" smtClean="0"/>
-              <a:t> = bar;</a:t>
-            </a:r>
-          </a:p>
-          <a:p>
-            <a:pPr marL="0" indent="0">
-              <a:buNone/>
-            </a:pPr>
-            <a:r>
-              <a:rPr lang="en-US" dirty="0" smtClean="0"/>
-              <a:t>});</a:t>
+              <a:t>jQuery.data</a:t>
+            </a:r>
+            <a:r>
+              <a:rPr lang="en-US" dirty="0" smtClean="0"/>
+              <a:t>() method</a:t>
             </a:r>
             <a:endParaRPr lang="en-US" dirty="0"/>
           </a:p>
@@ -11425,7 +12114,7 @@
     </p:spTree>
     <p:extLst>
       <p:ext uri="{BB962C8B-B14F-4D97-AF65-F5344CB8AC3E}">
-        <p14:creationId xmlns:p14="http://schemas.microsoft.com/office/powerpoint/2010/main" val="1947009408"/>
+        <p14:creationId xmlns:p14="http://schemas.microsoft.com/office/powerpoint/2010/main" val="3114950932"/>
       </p:ext>
     </p:extLst>
   </p:cSld>
@@ -11476,7 +12165,7 @@
           <a:p>
             <a:r>
               <a:rPr lang="en-US" dirty="0" smtClean="0"/>
-              <a:t>Overriding Defaults</a:t>
+              <a:t>Configuring Defaults</a:t>
             </a:r>
             <a:endParaRPr lang="en-US" dirty="0"/>
           </a:p>
@@ -11494,120 +12183,75 @@
         </p:nvSpPr>
         <p:spPr>
           <a:xfrm>
-            <a:off x="381000" y="1600200"/>
-            <a:ext cx="8382000" cy="4525963"/>
+            <a:off x="76200" y="1600200"/>
+            <a:ext cx="9144000" cy="4525963"/>
           </a:xfrm>
         </p:spPr>
         <p:txBody>
-          <a:bodyPr>
-            <a:normAutofit/>
-          </a:bodyPr>
+          <a:bodyPr/>
           <a:lstStyle/>
           <a:p>
-            <a:pPr marL="0" indent="0">
-              <a:buNone/>
-            </a:pPr>
-            <a:r>
-              <a:rPr lang="en-US" dirty="0" smtClean="0"/>
-              <a:t>&lt;script </a:t>
-            </a:r>
             <a:r>
               <a:rPr lang="en-US" dirty="0" err="1" smtClean="0"/>
-              <a:t>src</a:t>
-            </a:r>
-            <a:r>
-              <a:rPr lang="en-US" dirty="0" smtClean="0"/>
-              <a:t>=“</a:t>
-            </a:r>
+              <a:t>defaultTransition</a:t>
+            </a:r>
+            <a:r>
+              <a:rPr lang="en-US" dirty="0" smtClean="0"/>
+              <a:t> (string, default: 'slide')</a:t>
+            </a:r>
+          </a:p>
+          <a:p>
             <a:r>
               <a:rPr lang="en-US" dirty="0" err="1" smtClean="0"/>
-              <a:t>js</a:t>
-            </a:r>
-            <a:r>
-              <a:rPr lang="en-US" dirty="0" smtClean="0"/>
-              <a:t>/jquery.js"&gt;&lt;/script&gt;</a:t>
-            </a:r>
-          </a:p>
-          <a:p>
-            <a:pPr marL="0" indent="0">
-              <a:buNone/>
-            </a:pPr>
-            <a:r>
-              <a:rPr lang="en-US" dirty="0" smtClean="0">
-                <a:solidFill>
-                  <a:srgbClr val="FF0000"/>
-                </a:solidFill>
-              </a:rPr>
-              <a:t>&lt;script </a:t>
-            </a:r>
-            <a:r>
-              <a:rPr lang="en-US" dirty="0" err="1" smtClean="0">
-                <a:solidFill>
-                  <a:srgbClr val="FF0000"/>
-                </a:solidFill>
-              </a:rPr>
-              <a:t>src</a:t>
-            </a:r>
-            <a:r>
-              <a:rPr lang="en-US" dirty="0" smtClean="0">
-                <a:solidFill>
-                  <a:srgbClr val="FF0000"/>
-                </a:solidFill>
-              </a:rPr>
-              <a:t>="</a:t>
-            </a:r>
-            <a:r>
-              <a:rPr lang="en-US" dirty="0" err="1" smtClean="0">
-                <a:solidFill>
-                  <a:srgbClr val="FF0000"/>
-                </a:solidFill>
-              </a:rPr>
-              <a:t>js</a:t>
-            </a:r>
-            <a:r>
-              <a:rPr lang="en-US" dirty="0" smtClean="0">
-                <a:solidFill>
-                  <a:srgbClr val="FF0000"/>
-                </a:solidFill>
-              </a:rPr>
-              <a:t>/</a:t>
-            </a:r>
-            <a:r>
-              <a:rPr lang="en-US" dirty="0" smtClean="0">
-                <a:solidFill>
-                  <a:srgbClr val="FF0000"/>
-                </a:solidFill>
-              </a:rPr>
-              <a:t>defaults.js"&gt;&lt;/script&gt;</a:t>
-            </a:r>
-          </a:p>
-          <a:p>
-            <a:pPr marL="0" indent="0">
-              <a:buNone/>
-            </a:pPr>
-            <a:r>
-              <a:rPr lang="en-US" dirty="0" smtClean="0"/>
-              <a:t>&lt;script </a:t>
-            </a:r>
+              <a:t>loadingMessage</a:t>
+            </a:r>
+            <a:r>
+              <a:rPr lang="en-US" dirty="0" smtClean="0"/>
+              <a:t> (string, default: "loading")</a:t>
+            </a:r>
+          </a:p>
+          <a:p>
             <a:r>
               <a:rPr lang="en-US" dirty="0" err="1" smtClean="0"/>
-              <a:t>src</a:t>
-            </a:r>
-            <a:r>
-              <a:rPr lang="en-US" dirty="0" smtClean="0"/>
-              <a:t>="</a:t>
-            </a:r>
+              <a:t>errorMessage</a:t>
+            </a:r>
+            <a:r>
+              <a:rPr lang="en-US" dirty="0" smtClean="0"/>
+              <a:t> (string, default: "Error loading page")</a:t>
+            </a:r>
+          </a:p>
+          <a:p>
             <a:r>
               <a:rPr lang="en-US" dirty="0" err="1" smtClean="0"/>
-              <a:t>js</a:t>
-            </a:r>
-            <a:r>
-              <a:rPr lang="en-US" dirty="0" smtClean="0"/>
-              <a:t>/</a:t>
-            </a:r>
-            <a:r>
-              <a:rPr lang="en-US" dirty="0" smtClean="0"/>
-              <a:t>jquery-mobile.js"&gt;&lt;/script&gt;</a:t>
+              <a:t>backBtnText</a:t>
+            </a:r>
+            <a:r>
+              <a:rPr lang="en-US" dirty="0" smtClean="0"/>
+              <a:t> (string, default: 'back')</a:t>
+            </a:r>
+          </a:p>
+          <a:p>
+            <a:r>
+              <a:rPr lang="en-US" dirty="0" err="1" smtClean="0"/>
+              <a:t>ajaxEnabled</a:t>
+            </a:r>
+            <a:r>
+              <a:rPr lang="en-US" dirty="0" smtClean="0"/>
+              <a:t> (</a:t>
+            </a:r>
+            <a:r>
+              <a:rPr lang="en-US" dirty="0" err="1" smtClean="0"/>
+              <a:t>boolean</a:t>
+            </a:r>
+            <a:r>
+              <a:rPr lang="en-US" dirty="0" smtClean="0"/>
+              <a:t>, default: true)</a:t>
+            </a:r>
+          </a:p>
+          <a:p>
+            <a:r>
+              <a:rPr lang="en-US" dirty="0" smtClean="0"/>
+              <a:t>and more!</a:t>
             </a:r>
             <a:endParaRPr lang="en-US" dirty="0"/>
           </a:p>
@@ -11616,7 +12260,7 @@
     </p:spTree>
     <p:extLst>
       <p:ext uri="{BB962C8B-B14F-4D97-AF65-F5344CB8AC3E}">
-        <p14:creationId xmlns:p14="http://schemas.microsoft.com/office/powerpoint/2010/main" val="32391257"/>
+        <p14:creationId xmlns:p14="http://schemas.microsoft.com/office/powerpoint/2010/main" val="3802907592"/>
       </p:ext>
     </p:extLst>
   </p:cSld>
@@ -11667,6 +12311,397 @@
           <a:p>
             <a:r>
               <a:rPr lang="en-US" dirty="0" smtClean="0"/>
+              <a:t>Overriding Defaults</a:t>
+            </a:r>
+            <a:endParaRPr lang="en-US" dirty="0"/>
+          </a:p>
+        </p:txBody>
+      </p:sp>
+      <p:sp>
+        <p:nvSpPr>
+          <p:cNvPr id="3" name="Content Placeholder 2"/>
+          <p:cNvSpPr>
+            <a:spLocks noGrp="1"/>
+          </p:cNvSpPr>
+          <p:nvPr>
+            <p:ph idx="1"/>
+          </p:nvPr>
+        </p:nvSpPr>
+        <p:spPr>
+          <a:xfrm>
+            <a:off x="381000" y="1600200"/>
+            <a:ext cx="8382000" cy="4525963"/>
+          </a:xfrm>
+        </p:spPr>
+        <p:txBody>
+          <a:bodyPr>
+            <a:normAutofit fontScale="70000" lnSpcReduction="20000"/>
+          </a:bodyPr>
+          <a:lstStyle/>
+          <a:p>
+            <a:r>
+              <a:rPr lang="en-US" sz="4600" dirty="0" smtClean="0"/>
+              <a:t>Extend the $.mobile object:</a:t>
+            </a:r>
+          </a:p>
+          <a:p>
+            <a:pPr marL="0" indent="0">
+              <a:buNone/>
+            </a:pPr>
+            <a:r>
+              <a:rPr lang="en-US" dirty="0" smtClean="0"/>
+              <a:t>$(document).bind("</a:t>
+            </a:r>
+            <a:r>
+              <a:rPr lang="en-US" dirty="0" err="1" smtClean="0"/>
+              <a:t>mobileinit</a:t>
+            </a:r>
+            <a:r>
+              <a:rPr lang="en-US" dirty="0" smtClean="0"/>
+              <a:t>", function(){</a:t>
+            </a:r>
+          </a:p>
+          <a:p>
+            <a:pPr marL="0" indent="0">
+              <a:buNone/>
+            </a:pPr>
+            <a:r>
+              <a:rPr lang="en-US" dirty="0" smtClean="0"/>
+              <a:t>  $.extend(  $.mobile , {</a:t>
+            </a:r>
+          </a:p>
+          <a:p>
+            <a:pPr marL="0" indent="0">
+              <a:buNone/>
+            </a:pPr>
+            <a:r>
+              <a:rPr lang="en-US" dirty="0" smtClean="0"/>
+              <a:t>    foo: bar</a:t>
+            </a:r>
+          </a:p>
+          <a:p>
+            <a:pPr marL="0" indent="0">
+              <a:buNone/>
+            </a:pPr>
+            <a:r>
+              <a:rPr lang="en-US" dirty="0" smtClean="0"/>
+              <a:t>  });</a:t>
+            </a:r>
+          </a:p>
+          <a:p>
+            <a:pPr marL="0" indent="0">
+              <a:buNone/>
+            </a:pPr>
+            <a:r>
+              <a:rPr lang="en-US" dirty="0" smtClean="0"/>
+              <a:t>});</a:t>
+            </a:r>
+          </a:p>
+          <a:p>
+            <a:pPr marL="0" indent="0">
+              <a:buNone/>
+            </a:pPr>
+            <a:endParaRPr lang="en-US" dirty="0" smtClean="0"/>
+          </a:p>
+          <a:p>
+            <a:r>
+              <a:rPr lang="en-US" sz="4600" dirty="0" smtClean="0"/>
+              <a:t>...or set individually:</a:t>
+            </a:r>
+          </a:p>
+          <a:p>
+            <a:pPr marL="0" indent="0">
+              <a:buNone/>
+            </a:pPr>
+            <a:endParaRPr lang="en-US" dirty="0" smtClean="0"/>
+          </a:p>
+          <a:p>
+            <a:pPr marL="0" indent="0">
+              <a:buNone/>
+            </a:pPr>
+            <a:r>
+              <a:rPr lang="en-US" dirty="0" smtClean="0"/>
+              <a:t>$(document).bind("</a:t>
+            </a:r>
+            <a:r>
+              <a:rPr lang="en-US" dirty="0" err="1" smtClean="0"/>
+              <a:t>mobileinit</a:t>
+            </a:r>
+            <a:r>
+              <a:rPr lang="en-US" dirty="0" smtClean="0"/>
+              <a:t>", function(){</a:t>
+            </a:r>
+          </a:p>
+          <a:p>
+            <a:pPr marL="0" indent="0">
+              <a:buNone/>
+            </a:pPr>
+            <a:r>
+              <a:rPr lang="en-US" dirty="0" smtClean="0"/>
+              <a:t>  $.</a:t>
+            </a:r>
+            <a:r>
+              <a:rPr lang="en-US" dirty="0" err="1" smtClean="0"/>
+              <a:t>mobile.foo</a:t>
+            </a:r>
+            <a:r>
+              <a:rPr lang="en-US" dirty="0" smtClean="0"/>
+              <a:t> = bar;</a:t>
+            </a:r>
+          </a:p>
+          <a:p>
+            <a:pPr marL="0" indent="0">
+              <a:buNone/>
+            </a:pPr>
+            <a:r>
+              <a:rPr lang="en-US" dirty="0" smtClean="0"/>
+              <a:t>});</a:t>
+            </a:r>
+            <a:endParaRPr lang="en-US" dirty="0"/>
+          </a:p>
+        </p:txBody>
+      </p:sp>
+    </p:spTree>
+    <p:extLst>
+      <p:ext uri="{BB962C8B-B14F-4D97-AF65-F5344CB8AC3E}">
+        <p14:creationId xmlns:p14="http://schemas.microsoft.com/office/powerpoint/2010/main" val="1947009408"/>
+      </p:ext>
+    </p:extLst>
+  </p:cSld>
+  <p:clrMapOvr>
+    <a:masterClrMapping/>
+  </p:clrMapOvr>
+  <p:timing>
+    <p:tnLst>
+      <p:par>
+        <p:cTn id="1" dur="indefinite" restart="never" nodeType="tmRoot"/>
+      </p:par>
+    </p:tnLst>
+  </p:timing>
+</p:sld>
+</file>
+
+<file path=ppt/slides/slide26.xml><?xml version="1.0" encoding="utf-8"?>
+<p:sld xmlns:a="http://schemas.openxmlformats.org/drawingml/2006/main" xmlns:r="http://schemas.openxmlformats.org/officeDocument/2006/relationships" xmlns:p="http://schemas.openxmlformats.org/presentationml/2006/main">
+  <p:cSld>
+    <p:spTree>
+      <p:nvGrpSpPr>
+        <p:cNvPr id="1" name=""/>
+        <p:cNvGrpSpPr/>
+        <p:nvPr/>
+      </p:nvGrpSpPr>
+      <p:grpSpPr>
+        <a:xfrm>
+          <a:off x="0" y="0"/>
+          <a:ext cx="0" cy="0"/>
+          <a:chOff x="0" y="0"/>
+          <a:chExt cx="0" cy="0"/>
+        </a:xfrm>
+      </p:grpSpPr>
+      <p:sp>
+        <p:nvSpPr>
+          <p:cNvPr id="2" name="Title 1"/>
+          <p:cNvSpPr>
+            <a:spLocks noGrp="1"/>
+          </p:cNvSpPr>
+          <p:nvPr>
+            <p:ph type="title"/>
+          </p:nvPr>
+        </p:nvSpPr>
+        <p:spPr/>
+        <p:txBody>
+          <a:bodyPr/>
+          <a:lstStyle/>
+          <a:p>
+            <a:r>
+              <a:rPr lang="en-US" dirty="0" smtClean="0"/>
+              <a:t>Overriding Defaults</a:t>
+            </a:r>
+            <a:endParaRPr lang="en-US" dirty="0"/>
+          </a:p>
+        </p:txBody>
+      </p:sp>
+      <p:sp>
+        <p:nvSpPr>
+          <p:cNvPr id="3" name="Content Placeholder 2"/>
+          <p:cNvSpPr>
+            <a:spLocks noGrp="1"/>
+          </p:cNvSpPr>
+          <p:nvPr>
+            <p:ph idx="1"/>
+          </p:nvPr>
+        </p:nvSpPr>
+        <p:spPr>
+          <a:xfrm>
+            <a:off x="381000" y="1600200"/>
+            <a:ext cx="8382000" cy="4525963"/>
+          </a:xfrm>
+        </p:spPr>
+        <p:txBody>
+          <a:bodyPr>
+            <a:normAutofit/>
+          </a:bodyPr>
+          <a:lstStyle/>
+          <a:p>
+            <a:pPr marL="0" indent="0">
+              <a:buNone/>
+            </a:pPr>
+            <a:r>
+              <a:rPr lang="en-US" sz="2800" dirty="0" smtClean="0"/>
+              <a:t>&lt;script </a:t>
+            </a:r>
+            <a:r>
+              <a:rPr lang="en-US" sz="2800" dirty="0" err="1" smtClean="0"/>
+              <a:t>src</a:t>
+            </a:r>
+            <a:r>
+              <a:rPr lang="en-US" sz="2800" dirty="0" smtClean="0"/>
+              <a:t>=“</a:t>
+            </a:r>
+            <a:r>
+              <a:rPr lang="en-US" sz="2800" dirty="0" err="1" smtClean="0"/>
+              <a:t>js</a:t>
+            </a:r>
+            <a:r>
+              <a:rPr lang="en-US" sz="2800" dirty="0" smtClean="0"/>
+              <a:t>/jquery.1.6.1.min.js</a:t>
+            </a:r>
+            <a:r>
+              <a:rPr lang="en-US" sz="2800" dirty="0" smtClean="0"/>
+              <a:t>"&gt;&lt;/script&gt;</a:t>
+            </a:r>
+          </a:p>
+          <a:p>
+            <a:pPr marL="0" indent="0">
+              <a:buNone/>
+            </a:pPr>
+            <a:r>
+              <a:rPr lang="en-US" sz="2800" dirty="0" smtClean="0">
+                <a:solidFill>
+                  <a:srgbClr val="FF0000"/>
+                </a:solidFill>
+              </a:rPr>
+              <a:t>&lt;script </a:t>
+            </a:r>
+            <a:r>
+              <a:rPr lang="en-US" sz="2800" dirty="0" err="1" smtClean="0">
+                <a:solidFill>
+                  <a:srgbClr val="FF0000"/>
+                </a:solidFill>
+              </a:rPr>
+              <a:t>src</a:t>
+            </a:r>
+            <a:r>
+              <a:rPr lang="en-US" sz="2800" dirty="0" smtClean="0">
+                <a:solidFill>
+                  <a:srgbClr val="FF0000"/>
+                </a:solidFill>
+              </a:rPr>
+              <a:t>="</a:t>
+            </a:r>
+            <a:r>
+              <a:rPr lang="en-US" sz="2800" dirty="0" err="1" smtClean="0">
+                <a:solidFill>
+                  <a:srgbClr val="FF0000"/>
+                </a:solidFill>
+              </a:rPr>
+              <a:t>js</a:t>
+            </a:r>
+            <a:r>
+              <a:rPr lang="en-US" sz="2800" dirty="0" smtClean="0">
+                <a:solidFill>
+                  <a:srgbClr val="FF0000"/>
+                </a:solidFill>
+              </a:rPr>
+              <a:t>/defaults.js"&gt;&lt;/script&gt;</a:t>
+            </a:r>
+          </a:p>
+          <a:p>
+            <a:pPr marL="0" indent="0">
+              <a:buNone/>
+            </a:pPr>
+            <a:r>
+              <a:rPr lang="en-US" sz="2800" dirty="0" smtClean="0"/>
+              <a:t>&lt;script </a:t>
+            </a:r>
+            <a:r>
+              <a:rPr lang="en-US" sz="2800" dirty="0" err="1" smtClean="0"/>
+              <a:t>src</a:t>
+            </a:r>
+            <a:r>
+              <a:rPr lang="en-US" sz="2800" dirty="0" smtClean="0"/>
+              <a:t>="</a:t>
+            </a:r>
+            <a:r>
+              <a:rPr lang="en-US" sz="2800" dirty="0" err="1" smtClean="0"/>
+              <a:t>js</a:t>
+            </a:r>
+            <a:r>
+              <a:rPr lang="en-US" sz="2800" dirty="0" smtClean="0"/>
+              <a:t>/jquery.mobile-1.0b4.1.min.js</a:t>
+            </a:r>
+            <a:r>
+              <a:rPr lang="en-US" sz="2800" dirty="0" smtClean="0"/>
+              <a:t>"&gt;&lt;/script&gt;</a:t>
+            </a:r>
+            <a:endParaRPr lang="en-US" sz="2800" dirty="0"/>
+          </a:p>
+        </p:txBody>
+      </p:sp>
+    </p:spTree>
+    <p:extLst>
+      <p:ext uri="{BB962C8B-B14F-4D97-AF65-F5344CB8AC3E}">
+        <p14:creationId xmlns:p14="http://schemas.microsoft.com/office/powerpoint/2010/main" val="32391257"/>
+      </p:ext>
+    </p:extLst>
+  </p:cSld>
+  <p:clrMapOvr>
+    <a:masterClrMapping/>
+  </p:clrMapOvr>
+  <p:timing>
+    <p:tnLst>
+      <p:par>
+        <p:cTn id="1" dur="indefinite" restart="never" nodeType="tmRoot"/>
+      </p:par>
+    </p:tnLst>
+  </p:timing>
+</p:sld>
+</file>
+
+<file path=ppt/slides/slide27.xml><?xml version="1.0" encoding="utf-8"?>
+<p:sld xmlns:a="http://schemas.openxmlformats.org/drawingml/2006/main" xmlns:r="http://schemas.openxmlformats.org/officeDocument/2006/relationships" xmlns:p="http://schemas.openxmlformats.org/presentationml/2006/main">
+  <p:cSld>
+    <p:spTree>
+      <p:nvGrpSpPr>
+        <p:cNvPr id="1" name=""/>
+        <p:cNvGrpSpPr/>
+        <p:nvPr/>
+      </p:nvGrpSpPr>
+      <p:grpSpPr>
+        <a:xfrm>
+          <a:off x="0" y="0"/>
+          <a:ext cx="0" cy="0"/>
+          <a:chOff x="0" y="0"/>
+          <a:chExt cx="0" cy="0"/>
+        </a:xfrm>
+      </p:grpSpPr>
+      <p:sp>
+        <p:nvSpPr>
+          <p:cNvPr id="2" name="Title 1"/>
+          <p:cNvSpPr>
+            <a:spLocks noGrp="1"/>
+          </p:cNvSpPr>
+          <p:nvPr>
+            <p:ph type="title"/>
+          </p:nvPr>
+        </p:nvSpPr>
+        <p:spPr/>
+        <p:txBody>
+          <a:bodyPr/>
+          <a:lstStyle/>
+          <a:p>
+            <a:r>
+              <a:rPr lang="en-US" dirty="0" smtClean="0"/>
               <a:t>Useful </a:t>
             </a:r>
             <a:r>
@@ -11759,6 +12794,266 @@
         <p:cTn id="1" dur="indefinite" restart="never" nodeType="tmRoot"/>
       </p:par>
     </p:tnLst>
+  </p:timing>
+</p:sld>
+</file>
+
+<file path=ppt/slides/slide28.xml><?xml version="1.0" encoding="utf-8"?>
+<p:sld xmlns:a="http://schemas.openxmlformats.org/drawingml/2006/main" xmlns:r="http://schemas.openxmlformats.org/officeDocument/2006/relationships" xmlns:p="http://schemas.openxmlformats.org/presentationml/2006/main">
+  <p:cSld>
+    <p:spTree>
+      <p:nvGrpSpPr>
+        <p:cNvPr id="1" name=""/>
+        <p:cNvGrpSpPr/>
+        <p:nvPr/>
+      </p:nvGrpSpPr>
+      <p:grpSpPr>
+        <a:xfrm>
+          <a:off x="0" y="0"/>
+          <a:ext cx="0" cy="0"/>
+          <a:chOff x="0" y="0"/>
+          <a:chExt cx="0" cy="0"/>
+        </a:xfrm>
+      </p:grpSpPr>
+      <p:sp>
+        <p:nvSpPr>
+          <p:cNvPr id="2" name="Title 1"/>
+          <p:cNvSpPr>
+            <a:spLocks noGrp="1"/>
+          </p:cNvSpPr>
+          <p:nvPr>
+            <p:ph type="title"/>
+          </p:nvPr>
+        </p:nvSpPr>
+        <p:spPr/>
+        <p:txBody>
+          <a:bodyPr/>
+          <a:lstStyle/>
+          <a:p>
+            <a:endParaRPr lang="en-US"/>
+          </a:p>
+        </p:txBody>
+      </p:sp>
+      <p:sp>
+        <p:nvSpPr>
+          <p:cNvPr id="3" name="Content Placeholder 2"/>
+          <p:cNvSpPr>
+            <a:spLocks noGrp="1"/>
+          </p:cNvSpPr>
+          <p:nvPr>
+            <p:ph idx="1"/>
+          </p:nvPr>
+        </p:nvSpPr>
+        <p:spPr/>
+        <p:txBody>
+          <a:bodyPr/>
+          <a:lstStyle/>
+          <a:p>
+            <a:endParaRPr lang="en-US" dirty="0"/>
+          </a:p>
+        </p:txBody>
+      </p:sp>
+      <p:sp>
+        <p:nvSpPr>
+          <p:cNvPr id="4" name="TextBox 3"/>
+          <p:cNvSpPr txBox="1"/>
+          <p:nvPr/>
+        </p:nvSpPr>
+        <p:spPr>
+          <a:xfrm>
+            <a:off x="3276600" y="2286000"/>
+            <a:ext cx="2646878" cy="369332"/>
+          </a:xfrm>
+          <a:prstGeom prst="rect">
+            <a:avLst/>
+          </a:prstGeom>
+          <a:noFill/>
+        </p:spPr>
+        <p:txBody>
+          <a:bodyPr wrap="none" rtlCol="0">
+            <a:spAutoFit/>
+          </a:bodyPr>
+          <a:lstStyle/>
+          <a:p>
+            <a:r>
+              <a:rPr lang="en-US" dirty="0" smtClean="0">
+                <a:solidFill>
+                  <a:schemeClr val="tx2"/>
+                </a:solidFill>
+                <a:latin typeface="Arial Black" pitchFamily="34" charset="0"/>
+              </a:rPr>
+              <a:t>Last but not least…</a:t>
+            </a:r>
+            <a:endParaRPr lang="en-US" dirty="0">
+              <a:solidFill>
+                <a:schemeClr val="tx2"/>
+              </a:solidFill>
+              <a:latin typeface="Arial Black" pitchFamily="34" charset="0"/>
+            </a:endParaRPr>
+          </a:p>
+        </p:txBody>
+      </p:sp>
+      <p:sp>
+        <p:nvSpPr>
+          <p:cNvPr id="5" name="TextBox 4"/>
+          <p:cNvSpPr txBox="1"/>
+          <p:nvPr/>
+        </p:nvSpPr>
+        <p:spPr>
+          <a:xfrm>
+            <a:off x="599585" y="3267484"/>
+            <a:ext cx="8000908" cy="707886"/>
+          </a:xfrm>
+          <a:prstGeom prst="rect">
+            <a:avLst/>
+          </a:prstGeom>
+          <a:noFill/>
+        </p:spPr>
+        <p:txBody>
+          <a:bodyPr wrap="none" rtlCol="0">
+            <a:spAutoFit/>
+          </a:bodyPr>
+          <a:lstStyle/>
+          <a:p>
+            <a:r>
+              <a:rPr lang="en-US" sz="4000" dirty="0" smtClean="0">
+                <a:solidFill>
+                  <a:schemeClr val="accent3">
+                    <a:lumMod val="75000"/>
+                  </a:schemeClr>
+                </a:solidFill>
+                <a:latin typeface="Arial Black" pitchFamily="34" charset="0"/>
+              </a:rPr>
+              <a:t>Thanks </a:t>
+            </a:r>
+            <a:r>
+              <a:rPr lang="en-US" sz="4000" dirty="0" err="1" smtClean="0">
+                <a:solidFill>
+                  <a:schemeClr val="accent3">
+                    <a:lumMod val="75000"/>
+                  </a:schemeClr>
+                </a:solidFill>
+                <a:latin typeface="Arial Black" pitchFamily="34" charset="0"/>
+              </a:rPr>
+              <a:t>jQuery</a:t>
+            </a:r>
+            <a:r>
+              <a:rPr lang="en-US" sz="4000" dirty="0" smtClean="0">
+                <a:solidFill>
+                  <a:schemeClr val="accent3">
+                    <a:lumMod val="75000"/>
+                  </a:schemeClr>
+                </a:solidFill>
+                <a:latin typeface="Arial Black" pitchFamily="34" charset="0"/>
+              </a:rPr>
+              <a:t> Mobile Team</a:t>
+            </a:r>
+            <a:endParaRPr lang="en-US" sz="4000" dirty="0">
+              <a:solidFill>
+                <a:schemeClr val="accent3">
+                  <a:lumMod val="75000"/>
+                </a:schemeClr>
+              </a:solidFill>
+              <a:latin typeface="Arial Black" pitchFamily="34" charset="0"/>
+            </a:endParaRPr>
+          </a:p>
+        </p:txBody>
+      </p:sp>
+    </p:spTree>
+    <p:extLst>
+      <p:ext uri="{BB962C8B-B14F-4D97-AF65-F5344CB8AC3E}">
+        <p14:creationId xmlns:p14="http://schemas.microsoft.com/office/powerpoint/2010/main" val="1443963118"/>
+      </p:ext>
+    </p:extLst>
+  </p:cSld>
+  <p:clrMapOvr>
+    <a:masterClrMapping/>
+  </p:clrMapOvr>
+  <p:timing>
+    <p:tnLst>
+      <p:par>
+        <p:cTn id="1" dur="indefinite" restart="never" nodeType="tmRoot">
+          <p:childTnLst>
+            <p:seq concurrent="1" nextAc="seek">
+              <p:cTn id="2" dur="indefinite" nodeType="mainSeq">
+                <p:childTnLst>
+                  <p:par>
+                    <p:cTn id="3" fill="hold">
+                      <p:stCondLst>
+                        <p:cond delay="indefinite"/>
+                      </p:stCondLst>
+                      <p:childTnLst>
+                        <p:par>
+                          <p:cTn id="4" fill="hold">
+                            <p:stCondLst>
+                              <p:cond delay="0"/>
+                            </p:stCondLst>
+                            <p:childTnLst>
+                              <p:par>
+                                <p:cTn id="5" presetID="6" presetClass="entr" presetSubtype="16" fill="hold" grpId="0" nodeType="clickEffect">
+                                  <p:stCondLst>
+                                    <p:cond delay="0"/>
+                                  </p:stCondLst>
+                                  <p:childTnLst>
+                                    <p:set>
+                                      <p:cBhvr>
+                                        <p:cTn id="6" dur="1" fill="hold">
+                                          <p:stCondLst>
+                                            <p:cond delay="0"/>
+                                          </p:stCondLst>
+                                        </p:cTn>
+                                        <p:tgtEl>
+                                          <p:spTgt spid="5"/>
+                                        </p:tgtEl>
+                                        <p:attrNameLst>
+                                          <p:attrName>style.visibility</p:attrName>
+                                        </p:attrNameLst>
+                                      </p:cBhvr>
+                                      <p:to>
+                                        <p:strVal val="visible"/>
+                                      </p:to>
+                                    </p:set>
+                                    <p:animEffect transition="in" filter="circle(in)">
+                                      <p:cBhvr>
+                                        <p:cTn id="7" dur="2000"/>
+                                        <p:tgtEl>
+                                          <p:spTgt spid="5"/>
+                                        </p:tgtEl>
+                                      </p:cBhvr>
+                                    </p:animEffect>
+                                  </p:childTnLst>
+                                </p:cTn>
+                              </p:par>
+                            </p:childTnLst>
+                          </p:cTn>
+                        </p:par>
+                      </p:childTnLst>
+                    </p:cTn>
+                  </p:par>
+                </p:childTnLst>
+              </p:cTn>
+              <p:prevCondLst>
+                <p:cond evt="onPrev" delay="0">
+                  <p:tgtEl>
+                    <p:sldTgt/>
+                  </p:tgtEl>
+                </p:cond>
+              </p:prevCondLst>
+              <p:nextCondLst>
+                <p:cond evt="onNext" delay="0">
+                  <p:tgtEl>
+                    <p:sldTgt/>
+                  </p:tgtEl>
+                </p:cond>
+              </p:nextCondLst>
+            </p:seq>
+          </p:childTnLst>
+        </p:cTn>
+      </p:par>
+    </p:tnLst>
+    <p:bldLst>
+      <p:bldP spid="5" grpId="0"/>
+    </p:bldLst>
   </p:timing>
 </p:sld>
 </file>
@@ -12228,6 +13523,393 @@
           <a:lstStyle/>
           <a:p>
             <a:r>
+              <a:rPr lang="en-US" b="1" dirty="0"/>
+              <a:t>Goals and Strategy</a:t>
+            </a:r>
+            <a:endParaRPr lang="en-US" dirty="0"/>
+          </a:p>
+        </p:txBody>
+      </p:sp>
+      <p:sp>
+        <p:nvSpPr>
+          <p:cNvPr id="3" name="Content Placeholder 2"/>
+          <p:cNvSpPr>
+            <a:spLocks noGrp="1"/>
+          </p:cNvSpPr>
+          <p:nvPr>
+            <p:ph idx="1"/>
+          </p:nvPr>
+        </p:nvSpPr>
+        <p:spPr/>
+        <p:txBody>
+          <a:bodyPr/>
+          <a:lstStyle/>
+          <a:p>
+            <a:r>
+              <a:rPr lang="en-US" b="1" dirty="0"/>
+              <a:t>A-grade</a:t>
+            </a:r>
+            <a:r>
+              <a:rPr lang="en-US" dirty="0"/>
+              <a:t> - Full enhanced experience with Ajax-based animated page transitions.</a:t>
+            </a:r>
+          </a:p>
+          <a:p>
+            <a:r>
+              <a:rPr lang="en-US" b="1" dirty="0"/>
+              <a:t>B-grade</a:t>
+            </a:r>
+            <a:r>
+              <a:rPr lang="en-US" dirty="0"/>
+              <a:t> - Enhanced experience except without Ajax navigation features.</a:t>
+            </a:r>
+          </a:p>
+          <a:p>
+            <a:r>
+              <a:rPr lang="en-US" b="1" dirty="0"/>
+              <a:t>C-grade</a:t>
+            </a:r>
+            <a:r>
+              <a:rPr lang="en-US" dirty="0"/>
+              <a:t> - Basic, non-enhanced HTML experience that is still functional</a:t>
+            </a:r>
+          </a:p>
+          <a:p>
+            <a:r>
+              <a:rPr lang="en-US" b="1" dirty="0"/>
+              <a:t>Not Currently Supported in Beta </a:t>
+            </a:r>
+            <a:r>
+              <a:rPr lang="en-US" b="1" dirty="0" smtClean="0"/>
+              <a:t>1</a:t>
+            </a:r>
+            <a:endParaRPr lang="en-US" dirty="0"/>
+          </a:p>
+        </p:txBody>
+      </p:sp>
+    </p:spTree>
+    <p:extLst>
+      <p:ext uri="{BB962C8B-B14F-4D97-AF65-F5344CB8AC3E}">
+        <p14:creationId xmlns:p14="http://schemas.microsoft.com/office/powerpoint/2010/main" val="610411407"/>
+      </p:ext>
+    </p:extLst>
+  </p:cSld>
+  <p:clrMapOvr>
+    <a:masterClrMapping/>
+  </p:clrMapOvr>
+  <p:timing>
+    <p:tnLst>
+      <p:par>
+        <p:cTn id="1" dur="indefinite" restart="never" nodeType="tmRoot">
+          <p:childTnLst>
+            <p:seq concurrent="1" nextAc="seek">
+              <p:cTn id="2" dur="indefinite" nodeType="mainSeq">
+                <p:childTnLst>
+                  <p:par>
+                    <p:cTn id="3" fill="hold">
+                      <p:stCondLst>
+                        <p:cond delay="indefinite"/>
+                      </p:stCondLst>
+                      <p:childTnLst>
+                        <p:par>
+                          <p:cTn id="4" fill="hold">
+                            <p:stCondLst>
+                              <p:cond delay="0"/>
+                            </p:stCondLst>
+                            <p:childTnLst>
+                              <p:par>
+                                <p:cTn id="5" presetID="22" presetClass="entr" presetSubtype="4" fill="hold" grpId="0" nodeType="clickEffect">
+                                  <p:stCondLst>
+                                    <p:cond delay="0"/>
+                                  </p:stCondLst>
+                                  <p:childTnLst>
+                                    <p:set>
+                                      <p:cBhvr>
+                                        <p:cTn id="6" dur="1" fill="hold">
+                                          <p:stCondLst>
+                                            <p:cond delay="0"/>
+                                          </p:stCondLst>
+                                        </p:cTn>
+                                        <p:tgtEl>
+                                          <p:spTgt spid="3">
+                                            <p:txEl>
+                                              <p:pRg st="0" end="0"/>
+                                            </p:txEl>
+                                          </p:spTgt>
+                                        </p:tgtEl>
+                                        <p:attrNameLst>
+                                          <p:attrName>style.visibility</p:attrName>
+                                        </p:attrNameLst>
+                                      </p:cBhvr>
+                                      <p:to>
+                                        <p:strVal val="visible"/>
+                                      </p:to>
+                                    </p:set>
+                                    <p:animEffect transition="in" filter="wipe(down)">
+                                      <p:cBhvr>
+                                        <p:cTn id="7" dur="500"/>
+                                        <p:tgtEl>
+                                          <p:spTgt spid="3">
+                                            <p:txEl>
+                                              <p:pRg st="0" end="0"/>
+                                            </p:txEl>
+                                          </p:spTgt>
+                                        </p:tgtEl>
+                                      </p:cBhvr>
+                                    </p:animEffect>
+                                  </p:childTnLst>
+                                </p:cTn>
+                              </p:par>
+                            </p:childTnLst>
+                          </p:cTn>
+                        </p:par>
+                      </p:childTnLst>
+                    </p:cTn>
+                  </p:par>
+                  <p:par>
+                    <p:cTn id="8" fill="hold">
+                      <p:stCondLst>
+                        <p:cond delay="indefinite"/>
+                      </p:stCondLst>
+                      <p:childTnLst>
+                        <p:par>
+                          <p:cTn id="9" fill="hold">
+                            <p:stCondLst>
+                              <p:cond delay="0"/>
+                            </p:stCondLst>
+                            <p:childTnLst>
+                              <p:par>
+                                <p:cTn id="10" presetID="22" presetClass="entr" presetSubtype="4" fill="hold" grpId="0" nodeType="clickEffect">
+                                  <p:stCondLst>
+                                    <p:cond delay="0"/>
+                                  </p:stCondLst>
+                                  <p:childTnLst>
+                                    <p:set>
+                                      <p:cBhvr>
+                                        <p:cTn id="11" dur="1" fill="hold">
+                                          <p:stCondLst>
+                                            <p:cond delay="0"/>
+                                          </p:stCondLst>
+                                        </p:cTn>
+                                        <p:tgtEl>
+                                          <p:spTgt spid="3">
+                                            <p:txEl>
+                                              <p:pRg st="1" end="1"/>
+                                            </p:txEl>
+                                          </p:spTgt>
+                                        </p:tgtEl>
+                                        <p:attrNameLst>
+                                          <p:attrName>style.visibility</p:attrName>
+                                        </p:attrNameLst>
+                                      </p:cBhvr>
+                                      <p:to>
+                                        <p:strVal val="visible"/>
+                                      </p:to>
+                                    </p:set>
+                                    <p:animEffect transition="in" filter="wipe(down)">
+                                      <p:cBhvr>
+                                        <p:cTn id="12" dur="500"/>
+                                        <p:tgtEl>
+                                          <p:spTgt spid="3">
+                                            <p:txEl>
+                                              <p:pRg st="1" end="1"/>
+                                            </p:txEl>
+                                          </p:spTgt>
+                                        </p:tgtEl>
+                                      </p:cBhvr>
+                                    </p:animEffect>
+                                  </p:childTnLst>
+                                </p:cTn>
+                              </p:par>
+                            </p:childTnLst>
+                          </p:cTn>
+                        </p:par>
+                      </p:childTnLst>
+                    </p:cTn>
+                  </p:par>
+                  <p:par>
+                    <p:cTn id="13" fill="hold">
+                      <p:stCondLst>
+                        <p:cond delay="indefinite"/>
+                      </p:stCondLst>
+                      <p:childTnLst>
+                        <p:par>
+                          <p:cTn id="14" fill="hold">
+                            <p:stCondLst>
+                              <p:cond delay="0"/>
+                            </p:stCondLst>
+                            <p:childTnLst>
+                              <p:par>
+                                <p:cTn id="15" presetID="22" presetClass="entr" presetSubtype="4" fill="hold" grpId="0" nodeType="clickEffect">
+                                  <p:stCondLst>
+                                    <p:cond delay="0"/>
+                                  </p:stCondLst>
+                                  <p:childTnLst>
+                                    <p:set>
+                                      <p:cBhvr>
+                                        <p:cTn id="16" dur="1" fill="hold">
+                                          <p:stCondLst>
+                                            <p:cond delay="0"/>
+                                          </p:stCondLst>
+                                        </p:cTn>
+                                        <p:tgtEl>
+                                          <p:spTgt spid="3">
+                                            <p:txEl>
+                                              <p:pRg st="2" end="2"/>
+                                            </p:txEl>
+                                          </p:spTgt>
+                                        </p:tgtEl>
+                                        <p:attrNameLst>
+                                          <p:attrName>style.visibility</p:attrName>
+                                        </p:attrNameLst>
+                                      </p:cBhvr>
+                                      <p:to>
+                                        <p:strVal val="visible"/>
+                                      </p:to>
+                                    </p:set>
+                                    <p:animEffect transition="in" filter="wipe(down)">
+                                      <p:cBhvr>
+                                        <p:cTn id="17" dur="500"/>
+                                        <p:tgtEl>
+                                          <p:spTgt spid="3">
+                                            <p:txEl>
+                                              <p:pRg st="2" end="2"/>
+                                            </p:txEl>
+                                          </p:spTgt>
+                                        </p:tgtEl>
+                                      </p:cBhvr>
+                                    </p:animEffect>
+                                  </p:childTnLst>
+                                </p:cTn>
+                              </p:par>
+                            </p:childTnLst>
+                          </p:cTn>
+                        </p:par>
+                      </p:childTnLst>
+                    </p:cTn>
+                  </p:par>
+                  <p:par>
+                    <p:cTn id="18" fill="hold">
+                      <p:stCondLst>
+                        <p:cond delay="indefinite"/>
+                      </p:stCondLst>
+                      <p:childTnLst>
+                        <p:par>
+                          <p:cTn id="19" fill="hold">
+                            <p:stCondLst>
+                              <p:cond delay="0"/>
+                            </p:stCondLst>
+                            <p:childTnLst>
+                              <p:par>
+                                <p:cTn id="20" presetID="22" presetClass="entr" presetSubtype="4" fill="hold" grpId="0" nodeType="clickEffect">
+                                  <p:stCondLst>
+                                    <p:cond delay="0"/>
+                                  </p:stCondLst>
+                                  <p:childTnLst>
+                                    <p:set>
+                                      <p:cBhvr>
+                                        <p:cTn id="21" dur="1" fill="hold">
+                                          <p:stCondLst>
+                                            <p:cond delay="0"/>
+                                          </p:stCondLst>
+                                        </p:cTn>
+                                        <p:tgtEl>
+                                          <p:spTgt spid="3">
+                                            <p:txEl>
+                                              <p:pRg st="3" end="3"/>
+                                            </p:txEl>
+                                          </p:spTgt>
+                                        </p:tgtEl>
+                                        <p:attrNameLst>
+                                          <p:attrName>style.visibility</p:attrName>
+                                        </p:attrNameLst>
+                                      </p:cBhvr>
+                                      <p:to>
+                                        <p:strVal val="visible"/>
+                                      </p:to>
+                                    </p:set>
+                                    <p:animEffect transition="in" filter="wipe(down)">
+                                      <p:cBhvr>
+                                        <p:cTn id="22" dur="500"/>
+                                        <p:tgtEl>
+                                          <p:spTgt spid="3">
+                                            <p:txEl>
+                                              <p:pRg st="3" end="3"/>
+                                            </p:txEl>
+                                          </p:spTgt>
+                                        </p:tgtEl>
+                                      </p:cBhvr>
+                                    </p:animEffect>
+                                  </p:childTnLst>
+                                </p:cTn>
+                              </p:par>
+                            </p:childTnLst>
+                          </p:cTn>
+                        </p:par>
+                      </p:childTnLst>
+                    </p:cTn>
+                  </p:par>
+                </p:childTnLst>
+              </p:cTn>
+              <p:prevCondLst>
+                <p:cond evt="onPrev" delay="0">
+                  <p:tgtEl>
+                    <p:sldTgt/>
+                  </p:tgtEl>
+                </p:cond>
+              </p:prevCondLst>
+              <p:nextCondLst>
+                <p:cond evt="onNext" delay="0">
+                  <p:tgtEl>
+                    <p:sldTgt/>
+                  </p:tgtEl>
+                </p:cond>
+              </p:nextCondLst>
+            </p:seq>
+          </p:childTnLst>
+        </p:cTn>
+      </p:par>
+    </p:tnLst>
+    <p:bldLst>
+      <p:bldP spid="3" grpId="0" build="p"/>
+    </p:bldLst>
+  </p:timing>
+</p:sld>
+</file>
+
+<file path=ppt/slides/slide7.xml><?xml version="1.0" encoding="utf-8"?>
+<p:sld xmlns:a="http://schemas.openxmlformats.org/drawingml/2006/main" xmlns:r="http://schemas.openxmlformats.org/officeDocument/2006/relationships" xmlns:p="http://schemas.openxmlformats.org/presentationml/2006/main">
+  <p:cSld>
+    <p:spTree>
+      <p:nvGrpSpPr>
+        <p:cNvPr id="1" name=""/>
+        <p:cNvGrpSpPr/>
+        <p:nvPr/>
+      </p:nvGrpSpPr>
+      <p:grpSpPr>
+        <a:xfrm>
+          <a:off x="0" y="0"/>
+          <a:ext cx="0" cy="0"/>
+          <a:chOff x="0" y="0"/>
+          <a:chExt cx="0" cy="0"/>
+        </a:xfrm>
+      </p:grpSpPr>
+      <p:sp>
+        <p:nvSpPr>
+          <p:cNvPr id="2" name="Title 1"/>
+          <p:cNvSpPr>
+            <a:spLocks noGrp="1"/>
+          </p:cNvSpPr>
+          <p:nvPr>
+            <p:ph type="title"/>
+          </p:nvPr>
+        </p:nvSpPr>
+        <p:spPr/>
+        <p:txBody>
+          <a:bodyPr/>
+          <a:lstStyle/>
+          <a:p>
+            <a:r>
               <a:rPr lang="en-US" dirty="0" smtClean="0"/>
               <a:t>Build on Standards</a:t>
             </a:r>
@@ -12338,7 +14020,7 @@
 </p:sld>
 </file>
 
-<file path=ppt/slides/slide7.xml><?xml version="1.0" encoding="utf-8"?>
+<file path=ppt/slides/slide8.xml><?xml version="1.0" encoding="utf-8"?>
 <p:sld xmlns:a="http://schemas.openxmlformats.org/drawingml/2006/main" xmlns:r="http://schemas.openxmlformats.org/officeDocument/2006/relationships" xmlns:p="http://schemas.openxmlformats.org/presentationml/2006/main">
   <p:cSld>
     <p:spTree>
@@ -12553,125 +14235,6 @@
 </p:sld>
 </file>
 
-<file path=ppt/slides/slide8.xml><?xml version="1.0" encoding="utf-8"?>
-<p:sld xmlns:a="http://schemas.openxmlformats.org/drawingml/2006/main" xmlns:r="http://schemas.openxmlformats.org/officeDocument/2006/relationships" xmlns:p="http://schemas.openxmlformats.org/presentationml/2006/main">
-  <p:cSld>
-    <p:spTree>
-      <p:nvGrpSpPr>
-        <p:cNvPr id="1" name=""/>
-        <p:cNvGrpSpPr/>
-        <p:nvPr/>
-      </p:nvGrpSpPr>
-      <p:grpSpPr>
-        <a:xfrm>
-          <a:off x="0" y="0"/>
-          <a:ext cx="0" cy="0"/>
-          <a:chOff x="0" y="0"/>
-          <a:chExt cx="0" cy="0"/>
-        </a:xfrm>
-      </p:grpSpPr>
-      <p:sp>
-        <p:nvSpPr>
-          <p:cNvPr id="2" name="Title 1"/>
-          <p:cNvSpPr>
-            <a:spLocks noGrp="1"/>
-          </p:cNvSpPr>
-          <p:nvPr>
-            <p:ph type="title"/>
-          </p:nvPr>
-        </p:nvSpPr>
-        <p:spPr/>
-        <p:txBody>
-          <a:bodyPr/>
-          <a:lstStyle/>
-          <a:p>
-            <a:r>
-              <a:rPr lang="en-US" dirty="0"/>
-              <a:t>A</a:t>
-            </a:r>
-            <a:r>
-              <a:rPr lang="en-US" dirty="0" smtClean="0"/>
-              <a:t>dvantages</a:t>
-            </a:r>
-            <a:endParaRPr lang="en-US" dirty="0"/>
-          </a:p>
-        </p:txBody>
-      </p:sp>
-      <p:sp>
-        <p:nvSpPr>
-          <p:cNvPr id="3" name="Content Placeholder 2"/>
-          <p:cNvSpPr>
-            <a:spLocks noGrp="1"/>
-          </p:cNvSpPr>
-          <p:nvPr>
-            <p:ph idx="1"/>
-          </p:nvPr>
-        </p:nvSpPr>
-        <p:spPr/>
-        <p:txBody>
-          <a:bodyPr/>
-          <a:lstStyle/>
-          <a:p>
-            <a:r>
-              <a:rPr lang="en-US" dirty="0" smtClean="0"/>
-              <a:t>Accessibility</a:t>
-            </a:r>
-          </a:p>
-          <a:p>
-            <a:r>
-              <a:rPr lang="en-US" dirty="0"/>
-              <a:t>G</a:t>
-            </a:r>
-            <a:r>
-              <a:rPr lang="en-US" dirty="0" smtClean="0"/>
-              <a:t>radual improvement</a:t>
-            </a:r>
-          </a:p>
-          <a:p>
-            <a:r>
-              <a:rPr lang="en-US" dirty="0"/>
-              <a:t>Ajax loading </a:t>
-            </a:r>
-            <a:r>
-              <a:rPr lang="en-US" dirty="0" smtClean="0"/>
-              <a:t>pages</a:t>
-            </a:r>
-          </a:p>
-          <a:p>
-            <a:r>
-              <a:rPr lang="en-US" dirty="0" smtClean="0"/>
-              <a:t>URL friendly</a:t>
-            </a:r>
-          </a:p>
-          <a:p>
-            <a:r>
-              <a:rPr lang="en-US" dirty="0" smtClean="0"/>
-              <a:t>Theme</a:t>
-            </a:r>
-            <a:endParaRPr lang="en-US" dirty="0"/>
-          </a:p>
-        </p:txBody>
-      </p:sp>
-    </p:spTree>
-    <p:extLst>
-      <p:ext uri="{BB962C8B-B14F-4D97-AF65-F5344CB8AC3E}">
-        <p14:creationId xmlns:p14="http://schemas.microsoft.com/office/powerpoint/2010/main" val="3979173865"/>
-      </p:ext>
-    </p:extLst>
-  </p:cSld>
-  <p:clrMapOvr>
-    <a:masterClrMapping/>
-  </p:clrMapOvr>
-  <p:timing>
-    <p:tnLst>
-      <p:par>
-        <p:cTn id="1" dur="indefinite" restart="never" nodeType="tmRoot"/>
-      </p:par>
-    </p:tnLst>
-  </p:timing>
-</p:sld>
-</file>
-
 <file path=ppt/slides/slide9.xml><?xml version="1.0" encoding="utf-8"?>
 <p:sld xmlns:a="http://schemas.openxmlformats.org/drawingml/2006/main" xmlns:r="http://schemas.openxmlformats.org/officeDocument/2006/relationships" xmlns:p="http://schemas.openxmlformats.org/presentationml/2006/main">
   <p:cSld>
@@ -12705,8 +14268,12 @@
           <a:lstStyle/>
           <a:p>
             <a:r>
-              <a:rPr lang="en-US" dirty="0" smtClean="0"/>
-              <a:t>HTML5 Document</a:t>
+              <a:rPr lang="en-US" dirty="0"/>
+              <a:t>A</a:t>
+            </a:r>
+            <a:r>
+              <a:rPr lang="en-US" dirty="0" smtClean="0"/>
+              <a:t>dvantages</a:t>
             </a:r>
             <a:endParaRPr lang="en-US" dirty="0"/>
           </a:p>
@@ -12722,274 +14289,55 @@
             <p:ph idx="1"/>
           </p:nvPr>
         </p:nvSpPr>
-        <p:spPr>
-          <a:xfrm>
-            <a:off x="457200" y="1600200"/>
-            <a:ext cx="8305800" cy="4525963"/>
-          </a:xfrm>
-        </p:spPr>
+        <p:spPr/>
         <p:txBody>
-          <a:bodyPr>
-            <a:normAutofit fontScale="70000" lnSpcReduction="20000"/>
-          </a:bodyPr>
+          <a:bodyPr/>
           <a:lstStyle/>
           <a:p>
-            <a:pPr marL="0" indent="0">
-              <a:buNone/>
-            </a:pPr>
+            <a:r>
+              <a:rPr lang="en-US" dirty="0" smtClean="0"/>
+              <a:t>Accessibility</a:t>
+            </a:r>
+          </a:p>
+          <a:p>
+            <a:r>
+              <a:rPr lang="en-US" dirty="0" smtClean="0"/>
+              <a:t>Gradual improvement</a:t>
+            </a:r>
+          </a:p>
+          <a:p>
+            <a:r>
+              <a:rPr lang="en-US" dirty="0" smtClean="0"/>
+              <a:t>Ajax</a:t>
+            </a:r>
             <a:r>
               <a:rPr lang="en-US" dirty="0"/>
-              <a:t>&lt;!DOCTYPE HTML&gt;</a:t>
-            </a:r>
-          </a:p>
-          <a:p>
-            <a:pPr marL="0" indent="0">
-              <a:buNone/>
-            </a:pPr>
-            <a:r>
-              <a:rPr lang="en-US" dirty="0"/>
-              <a:t>&lt;html&gt;</a:t>
-            </a:r>
-          </a:p>
-          <a:p>
-            <a:pPr marL="0" indent="0">
-              <a:buNone/>
-            </a:pPr>
-            <a:r>
-              <a:rPr lang="en-US" dirty="0" smtClean="0"/>
-              <a:t>    &lt;</a:t>
-            </a:r>
-            <a:r>
-              <a:rPr lang="en-US" dirty="0"/>
-              <a:t>head&gt;</a:t>
-            </a:r>
-          </a:p>
-          <a:p>
-            <a:pPr marL="0" indent="0">
-              <a:buNone/>
-            </a:pPr>
-            <a:r>
-              <a:rPr lang="en-US" dirty="0" smtClean="0"/>
-              <a:t>        &lt;title&gt;</a:t>
-            </a:r>
-            <a:r>
-              <a:rPr lang="en-US" dirty="0" err="1" smtClean="0"/>
-              <a:t>jQuery</a:t>
-            </a:r>
-            <a:r>
-              <a:rPr lang="en-US" dirty="0" smtClean="0"/>
-              <a:t> Mobile&lt;/</a:t>
-            </a:r>
-            <a:r>
-              <a:rPr lang="en-US" dirty="0"/>
-              <a:t>title</a:t>
-            </a:r>
-            <a:r>
-              <a:rPr lang="en-US" dirty="0" smtClean="0"/>
-              <a:t>&gt;</a:t>
-            </a:r>
-          </a:p>
-          <a:p>
-            <a:pPr marL="0" indent="0">
-              <a:buNone/>
-            </a:pPr>
-            <a:r>
-              <a:rPr lang="en-US" dirty="0" smtClean="0"/>
-              <a:t>        &lt;</a:t>
-            </a:r>
-            <a:r>
-              <a:rPr lang="en-US" dirty="0"/>
-              <a:t>link </a:t>
-            </a:r>
-            <a:r>
-              <a:rPr lang="en-US" dirty="0" err="1"/>
-              <a:t>rel</a:t>
-            </a:r>
-            <a:r>
-              <a:rPr lang="en-US" dirty="0"/>
-              <a:t>=</a:t>
-            </a:r>
-            <a:r>
-              <a:rPr lang="en-US" i="1" dirty="0"/>
-              <a:t>"</a:t>
-            </a:r>
-            <a:r>
-              <a:rPr lang="en-US" i="1" dirty="0" err="1"/>
-              <a:t>stylesheet</a:t>
-            </a:r>
-            <a:r>
-              <a:rPr lang="en-US" i="1" dirty="0"/>
-              <a:t>" </a:t>
-            </a:r>
-            <a:r>
-              <a:rPr lang="en-US" i="1" dirty="0" err="1"/>
-              <a:t>href</a:t>
-            </a:r>
-            <a:r>
-              <a:rPr lang="en-US" i="1" dirty="0"/>
-              <a:t>="</a:t>
-            </a:r>
-            <a:r>
-              <a:rPr lang="en-US" i="1" dirty="0" err="1" smtClean="0"/>
-              <a:t>css</a:t>
-            </a:r>
-            <a:r>
-              <a:rPr lang="en-US" i="1" dirty="0" smtClean="0"/>
-              <a:t>/jquery.mobile-1.0b1.min.css</a:t>
-            </a:r>
-            <a:r>
-              <a:rPr lang="en-US" i="1" dirty="0"/>
-              <a:t>" </a:t>
-            </a:r>
-            <a:r>
-              <a:rPr lang="en-US" i="1" dirty="0" smtClean="0"/>
-              <a:t>/&gt;</a:t>
-            </a:r>
-          </a:p>
-          <a:p>
-            <a:pPr marL="0" indent="0">
-              <a:buNone/>
-            </a:pPr>
-            <a:r>
-              <a:rPr lang="en-US" dirty="0" smtClean="0"/>
-              <a:t>        &lt;</a:t>
-            </a:r>
-            <a:r>
-              <a:rPr lang="en-US" dirty="0"/>
-              <a:t>script </a:t>
-            </a:r>
-            <a:r>
-              <a:rPr lang="en-US" dirty="0" err="1"/>
-              <a:t>src</a:t>
-            </a:r>
-            <a:r>
-              <a:rPr lang="en-US" dirty="0"/>
-              <a:t>=</a:t>
-            </a:r>
-            <a:r>
-              <a:rPr lang="en-US" i="1" dirty="0"/>
-              <a:t>"</a:t>
-            </a:r>
-            <a:r>
-              <a:rPr lang="en-US" i="1" dirty="0" err="1"/>
-              <a:t>js</a:t>
-            </a:r>
-            <a:r>
-              <a:rPr lang="en-US" i="1" dirty="0"/>
-              <a:t>/jquery.1.6.1.min.js"&gt;&lt;/script&gt;</a:t>
-            </a:r>
-          </a:p>
-          <a:p>
-            <a:pPr marL="0" indent="0">
-              <a:buNone/>
-            </a:pPr>
-            <a:r>
-              <a:rPr lang="en-US" dirty="0" smtClean="0"/>
-              <a:t>        &lt;</a:t>
-            </a:r>
-            <a:r>
-              <a:rPr lang="en-US" dirty="0"/>
-              <a:t>script </a:t>
-            </a:r>
-            <a:r>
-              <a:rPr lang="en-US" dirty="0" err="1"/>
-              <a:t>src</a:t>
-            </a:r>
-            <a:r>
-              <a:rPr lang="en-US" dirty="0"/>
-              <a:t>=</a:t>
-            </a:r>
-            <a:r>
-              <a:rPr lang="en-US" i="1" dirty="0"/>
-              <a:t>"</a:t>
-            </a:r>
-            <a:r>
-              <a:rPr lang="en-US" i="1" dirty="0" err="1"/>
-              <a:t>js</a:t>
-            </a:r>
-            <a:r>
-              <a:rPr lang="en-US" i="1" dirty="0"/>
-              <a:t>/jquery.mobile-1.0a4.1.min.js"&gt;&lt;/script</a:t>
-            </a:r>
-            <a:r>
-              <a:rPr lang="en-US" i="1" dirty="0" smtClean="0"/>
-              <a:t>&gt;</a:t>
-            </a:r>
-          </a:p>
-          <a:p>
-            <a:pPr marL="0" indent="0">
-              <a:buNone/>
-            </a:pPr>
-            <a:r>
-              <a:rPr lang="en-US" dirty="0" smtClean="0"/>
-              <a:t>    &lt;/</a:t>
-            </a:r>
-            <a:r>
-              <a:rPr lang="en-US" dirty="0"/>
-              <a:t>head&gt;</a:t>
-            </a:r>
-          </a:p>
-          <a:p>
-            <a:pPr marL="0" indent="0">
-              <a:buNone/>
-            </a:pPr>
-            <a:r>
-              <a:rPr lang="en-US" dirty="0" smtClean="0"/>
-              <a:t>    &lt;</a:t>
-            </a:r>
-            <a:r>
-              <a:rPr lang="en-US" dirty="0"/>
-              <a:t>body</a:t>
-            </a:r>
-            <a:r>
-              <a:rPr lang="en-US" dirty="0" smtClean="0"/>
-              <a:t>&gt;</a:t>
-            </a:r>
-          </a:p>
-          <a:p>
-            <a:pPr marL="0" indent="0">
-              <a:buNone/>
-            </a:pPr>
-            <a:r>
-              <a:rPr lang="en-US" dirty="0" smtClean="0"/>
-              <a:t>        &lt;!-- TODO</a:t>
-            </a:r>
-            <a:r>
-              <a:rPr lang="en-US" dirty="0" smtClean="0">
-                <a:sym typeface="Wingdings" pitchFamily="2" charset="2"/>
-              </a:rPr>
-              <a:t> --&gt;</a:t>
-            </a:r>
-            <a:endParaRPr lang="en-US" dirty="0" smtClean="0"/>
-          </a:p>
-          <a:p>
-            <a:pPr marL="0" indent="0">
-              <a:buNone/>
-            </a:pPr>
-            <a:r>
-              <a:rPr lang="en-US" dirty="0" smtClean="0"/>
-              <a:t>    &lt;/body&gt;</a:t>
-            </a:r>
-          </a:p>
-          <a:p>
-            <a:pPr marL="0" indent="0">
-              <a:buNone/>
-            </a:pPr>
-            <a:r>
-              <a:rPr lang="en-US" dirty="0" smtClean="0"/>
-              <a:t>&lt;/</a:t>
-            </a:r>
-            <a:r>
-              <a:rPr lang="en-US" dirty="0"/>
-              <a:t>html&gt;</a:t>
-            </a:r>
+              <a:t> loading </a:t>
+            </a:r>
+            <a:r>
+              <a:rPr lang="en-US" dirty="0" smtClean="0"/>
+              <a:t>pages</a:t>
+            </a:r>
+          </a:p>
+          <a:p>
+            <a:r>
+              <a:rPr lang="en-US" dirty="0" smtClean="0"/>
+              <a:t>URL friendly</a:t>
+            </a:r>
+          </a:p>
+          <a:p>
+            <a:r>
+              <a:rPr lang="en-US" dirty="0" smtClean="0"/>
+              <a:t>Theme</a:t>
+            </a:r>
+            <a:endParaRPr lang="en-US" dirty="0"/>
           </a:p>
         </p:txBody>
       </p:sp>
     </p:spTree>
     <p:extLst>
       <p:ext uri="{BB962C8B-B14F-4D97-AF65-F5344CB8AC3E}">
-        <p14:creationId xmlns:p14="http://schemas.microsoft.com/office/powerpoint/2010/main" val="2888932180"/>
+        <p14:creationId xmlns:p14="http://schemas.microsoft.com/office/powerpoint/2010/main" val="3979173865"/>
       </p:ext>
     </p:extLst>
   </p:cSld>
